--- a/public/pdf/Capstone Presentation.pptx
+++ b/public/pdf/Capstone Presentation.pptx
@@ -5556,9 +5556,9 @@
             <a:pPr algn="ctr"/>
             <a:r>
               <a:rPr lang="en-US" dirty="0">
-                <a:hlinkClick r:id="rId6" action="ppaction://hlinkfile"/>
+                <a:hlinkClick r:id="rId6"/>
               </a:rPr>
-              <a:t>https://inst490-analytics-dashboard.herokuapp.com/</a:t>
+              <a:t>inst490-analytics-dashboard.herokuapp.com</a:t>
             </a:r>
             <a:endParaRPr lang="en-US" dirty="0"/>
           </a:p>
@@ -5659,7 +5659,7 @@
               <a:buChar char="●"/>
             </a:pPr>
             <a:r>
-              <a:rPr lang="en" sz="1600" dirty="0"/>
+              <a:rPr lang="en" sz="1600"/>
               <a:t>Created in MySQL Workbench</a:t>
             </a:r>
           </a:p>
@@ -5674,35 +5674,35 @@
               <a:buSzPts val="1800"/>
               <a:buChar char="●"/>
             </a:pPr>
-            <a:endParaRPr sz="1600" dirty="0"/>
+            <a:endParaRPr sz="1600"/>
           </a:p>
           <a:p>
             <a:pPr marL="114300" indent="0" fontAlgn="base">
               <a:buNone/>
             </a:pPr>
             <a:br>
-              <a:rPr lang="en-US" sz="1400" dirty="0"/>
+              <a:rPr lang="en-US" sz="1400"/>
             </a:br>
-            <a:endParaRPr lang="en-US" sz="1400" dirty="0"/>
+            <a:endParaRPr lang="en-US" sz="1400"/>
           </a:p>
           <a:p>
             <a:pPr fontAlgn="base"/>
             <a:r>
-              <a:rPr lang="en-US" sz="1400" dirty="0"/>
+              <a:rPr lang="en-US" sz="1400"/>
               <a:t>Focuses on message exchanges</a:t>
             </a:r>
           </a:p>
           <a:p>
             <a:pPr lvl="1" fontAlgn="base"/>
             <a:r>
-              <a:rPr lang="en-US" dirty="0"/>
+              <a:rPr lang="en-US"/>
               <a:t>People grouped into teams</a:t>
             </a:r>
           </a:p>
           <a:p>
             <a:pPr lvl="1" fontAlgn="base"/>
             <a:r>
-              <a:rPr lang="en-US" dirty="0"/>
+              <a:rPr lang="en-US"/>
               <a:t>Messages sent individually or as team.</a:t>
             </a:r>
           </a:p>
@@ -5717,7 +5717,7 @@
               <a:buSzPts val="1800"/>
               <a:buChar char="●"/>
             </a:pPr>
-            <a:endParaRPr lang="en" sz="1600" dirty="0"/>
+            <a:endParaRPr lang="en" sz="1600"/>
           </a:p>
           <a:p>
             <a:pPr marL="457200" lvl="0" indent="-342900" algn="l" rtl="0">
@@ -5730,7 +5730,7 @@
               <a:buSzPts val="1800"/>
               <a:buChar char="●"/>
             </a:pPr>
-            <a:endParaRPr sz="1600" dirty="0"/>
+            <a:endParaRPr sz="1600"/>
           </a:p>
           <a:p>
             <a:pPr marL="457200" lvl="0" indent="-342900" algn="l" rtl="0">
@@ -5744,10 +5744,10 @@
               <a:buChar char="●"/>
             </a:pPr>
             <a:r>
-              <a:rPr lang="en" sz="1600" dirty="0"/>
+              <a:rPr lang="en" sz="1600"/>
               <a:t>Manually Coded Test Data</a:t>
             </a:r>
-            <a:endParaRPr sz="1600" dirty="0"/>
+            <a:endParaRPr sz="1600"/>
           </a:p>
           <a:p>
             <a:pPr marL="457200" lvl="0" indent="-342900" algn="l" rtl="0">
@@ -5826,10 +5826,10 @@
       </p:pic>
       <p:sp>
         <p:nvSpPr>
-          <p:cNvPr id="6" name="Footer Placeholder 1">
+          <p:cNvPr id="7" name="Footer Placeholder 1">
             <a:extLst>
               <a:ext uri="{FF2B5EF4-FFF2-40B4-BE49-F238E27FC236}">
-                <a16:creationId xmlns:a16="http://schemas.microsoft.com/office/drawing/2014/main" id="{D7C6DBB5-C96F-47F8-B41C-C70042FEB137}"/>
+                <a16:creationId xmlns:a16="http://schemas.microsoft.com/office/drawing/2014/main" id="{88662A6D-3A95-4CE0-B65B-CC3DABEF51CF}"/>
               </a:ext>
             </a:extLst>
           </p:cNvPr>
@@ -5948,9 +5948,9 @@
             <a:pPr algn="ctr"/>
             <a:r>
               <a:rPr lang="en-US" dirty="0">
-                <a:hlinkClick r:id="rId4" action="ppaction://hlinkfile"/>
+                <a:hlinkClick r:id="rId4"/>
               </a:rPr>
-              <a:t>https://inst490-analytics-dashboard.herokuapp.com/</a:t>
+              <a:t>inst490-analytics-dashboard.herokuapp.com</a:t>
             </a:r>
             <a:endParaRPr lang="en-US" dirty="0"/>
           </a:p>
@@ -6205,10 +6205,10 @@
       </p:pic>
       <p:sp>
         <p:nvSpPr>
-          <p:cNvPr id="5" name="Footer Placeholder 1">
+          <p:cNvPr id="7" name="Footer Placeholder 1">
             <a:extLst>
               <a:ext uri="{FF2B5EF4-FFF2-40B4-BE49-F238E27FC236}">
-                <a16:creationId xmlns:a16="http://schemas.microsoft.com/office/drawing/2014/main" id="{8C9AF3AD-D28F-4562-B214-2973E02D57E4}"/>
+                <a16:creationId xmlns:a16="http://schemas.microsoft.com/office/drawing/2014/main" id="{54C61A67-A161-4893-BBA4-992A8C2AAED7}"/>
               </a:ext>
             </a:extLst>
           </p:cNvPr>
@@ -6327,9 +6327,9 @@
             <a:pPr algn="ctr"/>
             <a:r>
               <a:rPr lang="en-US" dirty="0">
-                <a:hlinkClick r:id="rId4" action="ppaction://hlinkfile"/>
+                <a:hlinkClick r:id="rId4"/>
               </a:rPr>
-              <a:t>https://inst490-analytics-dashboard.herokuapp.com/</a:t>
+              <a:t>inst490-analytics-dashboard.herokuapp.com</a:t>
             </a:r>
             <a:endParaRPr lang="en-US" dirty="0"/>
           </a:p>
@@ -6581,10 +6581,10 @@
       </p:sp>
       <p:sp>
         <p:nvSpPr>
-          <p:cNvPr id="10" name="Footer Placeholder 1">
+          <p:cNvPr id="8" name="Footer Placeholder 1">
             <a:extLst>
               <a:ext uri="{FF2B5EF4-FFF2-40B4-BE49-F238E27FC236}">
-                <a16:creationId xmlns:a16="http://schemas.microsoft.com/office/drawing/2014/main" id="{4E469FC6-6CB8-48D7-8D60-D90B42E72F02}"/>
+                <a16:creationId xmlns:a16="http://schemas.microsoft.com/office/drawing/2014/main" id="{BEB0CD72-3DF3-43AE-B46E-8FF5E4957F26}"/>
               </a:ext>
             </a:extLst>
           </p:cNvPr>
@@ -6703,9 +6703,9 @@
             <a:pPr algn="ctr"/>
             <a:r>
               <a:rPr lang="en-US" dirty="0">
-                <a:hlinkClick r:id="rId6" action="ppaction://hlinkfile"/>
+                <a:hlinkClick r:id="rId6"/>
               </a:rPr>
-              <a:t>https://inst490-analytics-dashboard.herokuapp.com/</a:t>
+              <a:t>inst490-analytics-dashboard.herokuapp.com</a:t>
             </a:r>
             <a:endParaRPr lang="en-US" dirty="0"/>
           </a:p>
@@ -6928,10 +6928,10 @@
       </p:sp>
       <p:sp>
         <p:nvSpPr>
-          <p:cNvPr id="9" name="Footer Placeholder 1">
+          <p:cNvPr id="7" name="Footer Placeholder 1">
             <a:extLst>
               <a:ext uri="{FF2B5EF4-FFF2-40B4-BE49-F238E27FC236}">
-                <a16:creationId xmlns:a16="http://schemas.microsoft.com/office/drawing/2014/main" id="{4E77E5AF-DE3B-4C03-946D-7EEAD096D433}"/>
+                <a16:creationId xmlns:a16="http://schemas.microsoft.com/office/drawing/2014/main" id="{B39A0BF6-89CB-41F4-81AB-32E9A1F9A302}"/>
               </a:ext>
             </a:extLst>
           </p:cNvPr>
@@ -7050,9 +7050,9 @@
             <a:pPr algn="ctr"/>
             <a:r>
               <a:rPr lang="en-US" dirty="0">
-                <a:hlinkClick r:id="rId6" action="ppaction://hlinkfile"/>
+                <a:hlinkClick r:id="rId6"/>
               </a:rPr>
-              <a:t>https://inst490-analytics-dashboard.herokuapp.com/</a:t>
+              <a:t>inst490-analytics-dashboard.herokuapp.com</a:t>
             </a:r>
             <a:endParaRPr lang="en-US" dirty="0"/>
           </a:p>
@@ -7160,49 +7160,12 @@
           </a:p>
         </p:txBody>
       </p:sp>
-      <p:pic>
-        <p:nvPicPr>
-          <p:cNvPr id="2" name="Picture 1">
+      <p:sp>
+        <p:nvSpPr>
+          <p:cNvPr id="6" name="Footer Placeholder 1">
             <a:extLst>
               <a:ext uri="{FF2B5EF4-FFF2-40B4-BE49-F238E27FC236}">
-                <a16:creationId xmlns:a16="http://schemas.microsoft.com/office/drawing/2014/main" id="{D1524B81-12D9-4AF4-B856-F8470004BDDE}"/>
-              </a:ext>
-            </a:extLst>
-          </p:cNvPr>
-          <p:cNvPicPr>
-            <a:picLocks noChangeAspect="1"/>
-          </p:cNvPicPr>
-          <p:nvPr/>
-        </p:nvPicPr>
-        <p:blipFill>
-          <a:blip r:embed="rId3"/>
-          <a:stretch>
-            <a:fillRect/>
-          </a:stretch>
-        </p:blipFill>
-        <p:spPr>
-          <a:xfrm>
-            <a:off x="4383292" y="523005"/>
-            <a:ext cx="2604497" cy="3991025"/>
-          </a:xfrm>
-          <a:prstGeom prst="rect">
-            <a:avLst/>
-          </a:prstGeom>
-          <a:effectLst>
-            <a:outerShdw blurRad="50800" dist="38100" dir="2700000" algn="tl" rotWithShape="0">
-              <a:prstClr val="black">
-                <a:alpha val="40000"/>
-              </a:prstClr>
-            </a:outerShdw>
-          </a:effectLst>
-        </p:spPr>
-      </p:pic>
-      <p:sp>
-        <p:nvSpPr>
-          <p:cNvPr id="5" name="Footer Placeholder 1">
-            <a:extLst>
-              <a:ext uri="{FF2B5EF4-FFF2-40B4-BE49-F238E27FC236}">
-                <a16:creationId xmlns:a16="http://schemas.microsoft.com/office/drawing/2014/main" id="{30133C32-0A3C-4DCF-920F-972252DCE02F}"/>
+                <a16:creationId xmlns:a16="http://schemas.microsoft.com/office/drawing/2014/main" id="{C0DE54B6-7E5F-484A-99CF-8867B9ADA623}"/>
               </a:ext>
             </a:extLst>
           </p:cNvPr>
@@ -7321,14 +7284,51 @@
             <a:pPr algn="ctr"/>
             <a:r>
               <a:rPr lang="en-US" dirty="0">
-                <a:hlinkClick r:id="rId4" action="ppaction://hlinkfile"/>
+                <a:hlinkClick r:id="rId3"/>
               </a:rPr>
-              <a:t>https://inst490-analytics-dashboard.herokuapp.com/</a:t>
+              <a:t>inst490-analytics-dashboard.herokuapp.com</a:t>
             </a:r>
             <a:endParaRPr lang="en-US" dirty="0"/>
           </a:p>
         </p:txBody>
       </p:sp>
+      <p:pic>
+        <p:nvPicPr>
+          <p:cNvPr id="3" name="Picture 2">
+            <a:extLst>
+              <a:ext uri="{FF2B5EF4-FFF2-40B4-BE49-F238E27FC236}">
+                <a16:creationId xmlns:a16="http://schemas.microsoft.com/office/drawing/2014/main" id="{71A750E6-4908-42D2-BC46-164E8133A0A0}"/>
+              </a:ext>
+            </a:extLst>
+          </p:cNvPr>
+          <p:cNvPicPr>
+            <a:picLocks noChangeAspect="1"/>
+          </p:cNvPicPr>
+          <p:nvPr/>
+        </p:nvPicPr>
+        <p:blipFill>
+          <a:blip r:embed="rId4"/>
+          <a:stretch>
+            <a:fillRect/>
+          </a:stretch>
+        </p:blipFill>
+        <p:spPr>
+          <a:xfrm>
+            <a:off x="4102892" y="445025"/>
+            <a:ext cx="3476117" cy="3972705"/>
+          </a:xfrm>
+          <a:prstGeom prst="rect">
+            <a:avLst/>
+          </a:prstGeom>
+          <a:effectLst>
+            <a:outerShdw blurRad="50800" dist="38100" algn="l" rotWithShape="0">
+              <a:prstClr val="black">
+                <a:alpha val="40000"/>
+              </a:prstClr>
+            </a:outerShdw>
+          </a:effectLst>
+        </p:spPr>
+      </p:pic>
     </p:spTree>
   </p:cSld>
   <p:clrMapOvr>

--- a/public/pdf/Capstone Presentation.pptx
+++ b/public/pdf/Capstone Presentation.pptx
@@ -5659,95 +5659,9 @@
               <a:buChar char="●"/>
             </a:pPr>
             <a:r>
-              <a:rPr lang="en" sz="1600"/>
+              <a:rPr lang="en" sz="1600" dirty="0"/>
               <a:t>Created in MySQL Workbench</a:t>
             </a:r>
-          </a:p>
-          <a:p>
-            <a:pPr marL="457200" lvl="0" indent="-342900" algn="l" rtl="0">
-              <a:spcBef>
-                <a:spcPts val="0"/>
-              </a:spcBef>
-              <a:spcAft>
-                <a:spcPts val="0"/>
-              </a:spcAft>
-              <a:buSzPts val="1800"/>
-              <a:buChar char="●"/>
-            </a:pPr>
-            <a:endParaRPr sz="1600"/>
-          </a:p>
-          <a:p>
-            <a:pPr marL="114300" indent="0" fontAlgn="base">
-              <a:buNone/>
-            </a:pPr>
-            <a:br>
-              <a:rPr lang="en-US" sz="1400"/>
-            </a:br>
-            <a:endParaRPr lang="en-US" sz="1400"/>
-          </a:p>
-          <a:p>
-            <a:pPr fontAlgn="base"/>
-            <a:r>
-              <a:rPr lang="en-US" sz="1400"/>
-              <a:t>Focuses on message exchanges</a:t>
-            </a:r>
-          </a:p>
-          <a:p>
-            <a:pPr lvl="1" fontAlgn="base"/>
-            <a:r>
-              <a:rPr lang="en-US"/>
-              <a:t>People grouped into teams</a:t>
-            </a:r>
-          </a:p>
-          <a:p>
-            <a:pPr lvl="1" fontAlgn="base"/>
-            <a:r>
-              <a:rPr lang="en-US"/>
-              <a:t>Messages sent individually or as team.</a:t>
-            </a:r>
-          </a:p>
-          <a:p>
-            <a:pPr marL="457200" lvl="0" indent="-342900" algn="l" rtl="0">
-              <a:spcBef>
-                <a:spcPts val="0"/>
-              </a:spcBef>
-              <a:spcAft>
-                <a:spcPts val="0"/>
-              </a:spcAft>
-              <a:buSzPts val="1800"/>
-              <a:buChar char="●"/>
-            </a:pPr>
-            <a:endParaRPr lang="en" sz="1600"/>
-          </a:p>
-          <a:p>
-            <a:pPr marL="457200" lvl="0" indent="-342900" algn="l" rtl="0">
-              <a:spcBef>
-                <a:spcPts val="0"/>
-              </a:spcBef>
-              <a:spcAft>
-                <a:spcPts val="0"/>
-              </a:spcAft>
-              <a:buSzPts val="1800"/>
-              <a:buChar char="●"/>
-            </a:pPr>
-            <a:endParaRPr sz="1600"/>
-          </a:p>
-          <a:p>
-            <a:pPr marL="457200" lvl="0" indent="-342900" algn="l" rtl="0">
-              <a:spcBef>
-                <a:spcPts val="0"/>
-              </a:spcBef>
-              <a:spcAft>
-                <a:spcPts val="0"/>
-              </a:spcAft>
-              <a:buSzPts val="1800"/>
-              <a:buChar char="●"/>
-            </a:pPr>
-            <a:r>
-              <a:rPr lang="en" sz="1600"/>
-              <a:t>Manually Coded Test Data</a:t>
-            </a:r>
-            <a:endParaRPr sz="1600"/>
           </a:p>
           <a:p>
             <a:pPr marL="457200" lvl="0" indent="-342900" algn="l" rtl="0">
@@ -5762,68 +5676,98 @@
             </a:pPr>
             <a:endParaRPr sz="1600" dirty="0"/>
           </a:p>
-        </p:txBody>
-      </p:sp>
-      <p:pic>
-        <p:nvPicPr>
-          <p:cNvPr id="3" name="Picture 2" descr="A picture containing screenshot&#10;&#10;Description automatically generated">
-            <a:extLst>
-              <a:ext uri="{FF2B5EF4-FFF2-40B4-BE49-F238E27FC236}">
-                <a16:creationId xmlns:a16="http://schemas.microsoft.com/office/drawing/2014/main" id="{5A33DED6-5919-419C-8B5D-CBC48BAE01A6}"/>
-              </a:ext>
-            </a:extLst>
-          </p:cNvPr>
-          <p:cNvPicPr>
-            <a:picLocks noChangeAspect="1"/>
-          </p:cNvPicPr>
-          <p:nvPr/>
-        </p:nvPicPr>
-        <p:blipFill>
-          <a:blip r:embed="rId3"/>
-          <a:stretch>
-            <a:fillRect/>
-          </a:stretch>
-        </p:blipFill>
-        <p:spPr>
-          <a:xfrm>
-            <a:off x="5295804" y="1155899"/>
-            <a:ext cx="3671646" cy="2835126"/>
-          </a:xfrm>
-          <a:prstGeom prst="rect">
-            <a:avLst/>
-          </a:prstGeom>
-          <a:solidFill>
-            <a:srgbClr val="FFFFFF">
-              <a:shade val="85000"/>
-            </a:srgbClr>
-          </a:solidFill>
-          <a:ln w="88900" cap="sq">
-            <a:solidFill>
-              <a:srgbClr val="FFFFFF"/>
-            </a:solidFill>
-            <a:miter lim="800000"/>
-          </a:ln>
-          <a:effectLst>
-            <a:outerShdw blurRad="55000" dist="18000" dir="5400000" algn="tl" rotWithShape="0">
-              <a:srgbClr val="000000">
-                <a:alpha val="40000"/>
-              </a:srgbClr>
-            </a:outerShdw>
-          </a:effectLst>
-          <a:scene3d>
-            <a:camera prst="orthographicFront"/>
-            <a:lightRig rig="twoPt" dir="t">
-              <a:rot lat="0" lon="0" rev="7200000"/>
-            </a:lightRig>
-          </a:scene3d>
-          <a:sp3d>
-            <a:bevelT w="25400" h="19050"/>
-            <a:contourClr>
-              <a:srgbClr val="FFFFFF"/>
-            </a:contourClr>
-          </a:sp3d>
-        </p:spPr>
-      </p:pic>
+          <a:p>
+            <a:pPr marL="114300" indent="0" fontAlgn="base">
+              <a:buNone/>
+            </a:pPr>
+            <a:br>
+              <a:rPr lang="en-US" sz="1400" dirty="0"/>
+            </a:br>
+            <a:endParaRPr lang="en-US" sz="1400" dirty="0"/>
+          </a:p>
+          <a:p>
+            <a:pPr fontAlgn="base"/>
+            <a:r>
+              <a:rPr lang="en-US" sz="1400" dirty="0"/>
+              <a:t>Focuses on message exchanges</a:t>
+            </a:r>
+          </a:p>
+          <a:p>
+            <a:pPr lvl="1" fontAlgn="base"/>
+            <a:r>
+              <a:rPr lang="en-US" dirty="0"/>
+              <a:t>People grouped into teams</a:t>
+            </a:r>
+          </a:p>
+          <a:p>
+            <a:pPr lvl="1" fontAlgn="base"/>
+            <a:r>
+              <a:rPr lang="en-US" dirty="0"/>
+              <a:t>Messages sent individually or as team</a:t>
+            </a:r>
+          </a:p>
+          <a:p>
+            <a:pPr marL="457200" lvl="0" indent="-342900" algn="l" rtl="0">
+              <a:spcBef>
+                <a:spcPts val="0"/>
+              </a:spcBef>
+              <a:spcAft>
+                <a:spcPts val="0"/>
+              </a:spcAft>
+              <a:buSzPts val="1800"/>
+              <a:buChar char="●"/>
+            </a:pPr>
+            <a:endParaRPr lang="en" sz="1600" dirty="0"/>
+          </a:p>
+          <a:p>
+            <a:pPr marL="457200" lvl="0" indent="-342900" algn="l" rtl="0">
+              <a:spcBef>
+                <a:spcPts val="0"/>
+              </a:spcBef>
+              <a:spcAft>
+                <a:spcPts val="0"/>
+              </a:spcAft>
+              <a:buSzPts val="1800"/>
+              <a:buChar char="●"/>
+            </a:pPr>
+            <a:endParaRPr sz="1600" dirty="0"/>
+          </a:p>
+          <a:p>
+            <a:pPr marL="457200" lvl="0" indent="-342900" algn="l" rtl="0">
+              <a:spcBef>
+                <a:spcPts val="0"/>
+              </a:spcBef>
+              <a:spcAft>
+                <a:spcPts val="0"/>
+              </a:spcAft>
+              <a:buSzPts val="1800"/>
+              <a:buChar char="●"/>
+            </a:pPr>
+            <a:r>
+              <a:rPr lang="en" sz="1600" dirty="0"/>
+              <a:t>Manually </a:t>
+            </a:r>
+            <a:r>
+              <a:rPr lang="en-US" sz="1600" dirty="0"/>
+              <a:t>coded test data</a:t>
+            </a:r>
+            <a:endParaRPr sz="1600" dirty="0"/>
+          </a:p>
+          <a:p>
+            <a:pPr marL="457200" lvl="0" indent="-342900" algn="l" rtl="0">
+              <a:spcBef>
+                <a:spcPts val="0"/>
+              </a:spcBef>
+              <a:spcAft>
+                <a:spcPts val="0"/>
+              </a:spcAft>
+              <a:buSzPts val="1800"/>
+              <a:buChar char="●"/>
+            </a:pPr>
+            <a:endParaRPr sz="1600" dirty="0"/>
+          </a:p>
+        </p:txBody>
+      </p:sp>
       <p:sp>
         <p:nvSpPr>
           <p:cNvPr id="7" name="Footer Placeholder 1">
@@ -5948,7 +5892,7 @@
             <a:pPr algn="ctr"/>
             <a:r>
               <a:rPr lang="en-US" dirty="0">
-                <a:hlinkClick r:id="rId4"/>
+                <a:hlinkClick r:id="rId3"/>
               </a:rPr>
               <a:t>inst490-analytics-dashboard.herokuapp.com</a:t>
             </a:r>
@@ -5956,6 +5900,62 @@
           </a:p>
         </p:txBody>
       </p:sp>
+      <p:pic>
+        <p:nvPicPr>
+          <p:cNvPr id="1026" name="Picture 2">
+            <a:extLst>
+              <a:ext uri="{FF2B5EF4-FFF2-40B4-BE49-F238E27FC236}">
+                <a16:creationId xmlns:a16="http://schemas.microsoft.com/office/drawing/2014/main" id="{CEF47811-A6AC-4C00-9E9B-7A67EFD4BB34}"/>
+              </a:ext>
+            </a:extLst>
+          </p:cNvPr>
+          <p:cNvPicPr>
+            <a:picLocks noChangeAspect="1" noChangeArrowheads="1"/>
+          </p:cNvPicPr>
+          <p:nvPr/>
+        </p:nvPicPr>
+        <p:blipFill>
+          <a:blip r:embed="rId4">
+            <a:extLst>
+              <a:ext uri="{28A0092B-C50C-407E-A947-70E740481C1C}">
+                <a14:useLocalDpi xmlns:a14="http://schemas.microsoft.com/office/drawing/2010/main" val="0"/>
+              </a:ext>
+            </a:extLst>
+          </a:blip>
+          <a:srcRect/>
+          <a:stretch>
+            <a:fillRect/>
+          </a:stretch>
+        </p:blipFill>
+        <p:spPr bwMode="auto">
+          <a:xfrm>
+            <a:off x="4207159" y="1300888"/>
+            <a:ext cx="4482338" cy="2843700"/>
+          </a:xfrm>
+          <a:prstGeom prst="rect">
+            <a:avLst/>
+          </a:prstGeom>
+          <a:ln>
+            <a:noFill/>
+          </a:ln>
+          <a:effectLst>
+            <a:outerShdw blurRad="190500" algn="tl" rotWithShape="0">
+              <a:srgbClr val="000000">
+                <a:alpha val="70000"/>
+              </a:srgbClr>
+            </a:outerShdw>
+          </a:effectLst>
+          <a:extLst>
+            <a:ext uri="{909E8E84-426E-40DD-AFC4-6F175D3DCCD1}">
+              <a14:hiddenFill xmlns:a14="http://schemas.microsoft.com/office/drawing/2010/main">
+                <a:solidFill>
+                  <a:srgbClr val="FFFFFF"/>
+                </a:solidFill>
+              </a14:hiddenFill>
+            </a:ext>
+          </a:extLst>
+        </p:spPr>
+      </p:pic>
     </p:spTree>
   </p:cSld>
   <p:clrMapOvr>

--- a/public/pdf/Capstone Presentation.pptx
+++ b/public/pdf/Capstone Presentation.pptx
@@ -5556,9 +5556,9 @@
             <a:pPr algn="ctr"/>
             <a:r>
               <a:rPr lang="en-US" dirty="0">
-                <a:hlinkClick r:id="rId6" action="ppaction://hlinkfile"/>
+                <a:hlinkClick r:id="rId6"/>
               </a:rPr>
-              <a:t>https://inst490-analytics-dashboard.herokuapp.com/</a:t>
+              <a:t>inst490-analytics-dashboard.herokuapp.com</a:t>
             </a:r>
             <a:endParaRPr lang="en-US" dirty="0"/>
           </a:p>
@@ -5703,7 +5703,7 @@
             <a:pPr lvl="1" fontAlgn="base"/>
             <a:r>
               <a:rPr lang="en-US" dirty="0"/>
-              <a:t>Messages sent individually or as team.</a:t>
+              <a:t>Messages sent individually or as team</a:t>
             </a:r>
           </a:p>
           <a:p>
@@ -5766,70 +5766,66 @@
       </p:sp>
       <p:pic>
         <p:nvPicPr>
-          <p:cNvPr id="3" name="Picture 2" descr="A picture containing screenshot&#10;&#10;Description automatically generated">
+          <p:cNvPr id="1026" name="Picture 2">
             <a:extLst>
               <a:ext uri="{FF2B5EF4-FFF2-40B4-BE49-F238E27FC236}">
-                <a16:creationId xmlns:a16="http://schemas.microsoft.com/office/drawing/2014/main" id="{5A33DED6-5919-419C-8B5D-CBC48BAE01A6}"/>
+                <a16:creationId xmlns:a16="http://schemas.microsoft.com/office/drawing/2014/main" id="{465689D4-A396-42DB-9DF7-4FCA38B33AB2}"/>
               </a:ext>
             </a:extLst>
           </p:cNvPr>
           <p:cNvPicPr>
-            <a:picLocks noChangeAspect="1"/>
+            <a:picLocks noChangeAspect="1" noChangeArrowheads="1"/>
           </p:cNvPicPr>
           <p:nvPr/>
         </p:nvPicPr>
         <p:blipFill>
-          <a:blip r:embed="rId3"/>
+          <a:blip r:embed="rId3">
+            <a:extLst>
+              <a:ext uri="{28A0092B-C50C-407E-A947-70E740481C1C}">
+                <a14:useLocalDpi xmlns:a14="http://schemas.microsoft.com/office/drawing/2010/main" val="0"/>
+              </a:ext>
+            </a:extLst>
+          </a:blip>
+          <a:srcRect/>
           <a:stretch>
             <a:fillRect/>
           </a:stretch>
         </p:blipFill>
-        <p:spPr>
+        <p:spPr bwMode="auto">
           <a:xfrm>
-            <a:off x="5295804" y="1155899"/>
-            <a:ext cx="3671646" cy="2835126"/>
+            <a:off x="4210144" y="1277258"/>
+            <a:ext cx="4687114" cy="2973614"/>
           </a:xfrm>
           <a:prstGeom prst="rect">
             <a:avLst/>
           </a:prstGeom>
-          <a:solidFill>
-            <a:srgbClr val="FFFFFF">
-              <a:shade val="85000"/>
-            </a:srgbClr>
-          </a:solidFill>
-          <a:ln w="88900" cap="sq">
-            <a:solidFill>
-              <a:srgbClr val="FFFFFF"/>
-            </a:solidFill>
-            <a:miter lim="800000"/>
+          <a:ln>
+            <a:noFill/>
           </a:ln>
           <a:effectLst>
-            <a:outerShdw blurRad="55000" dist="18000" dir="5400000" algn="tl" rotWithShape="0">
-              <a:srgbClr val="000000">
-                <a:alpha val="40000"/>
+            <a:outerShdw blurRad="292100" dist="139700" dir="2700000" algn="tl" rotWithShape="0">
+              <a:srgbClr val="333333">
+                <a:alpha val="65000"/>
               </a:srgbClr>
             </a:outerShdw>
           </a:effectLst>
-          <a:scene3d>
-            <a:camera prst="orthographicFront"/>
-            <a:lightRig rig="twoPt" dir="t">
-              <a:rot lat="0" lon="0" rev="7200000"/>
-            </a:lightRig>
-          </a:scene3d>
-          <a:sp3d>
-            <a:bevelT w="25400" h="19050"/>
-            <a:contourClr>
-              <a:srgbClr val="FFFFFF"/>
-            </a:contourClr>
-          </a:sp3d>
+          <a:extLst>
+            <a:ext uri="{909E8E84-426E-40DD-AFC4-6F175D3DCCD1}">
+              <a14:hiddenFill xmlns:a14="http://schemas.microsoft.com/office/drawing/2010/main">
+                <a:solidFill>
+                  <a:srgbClr val="FFFFFF"/>
+                </a:solidFill>
+              </a14:hiddenFill>
+            </a:ext>
+          </a:extLst>
         </p:spPr>
       </p:pic>
       <p:sp>
         <p:nvSpPr>
-          <p:cNvPr id="6" name="Footer Placeholder 1">
+          <p:cNvPr id="7" name="Footer Placeholder 1">
             <a:extLst>
               <a:ext uri="{FF2B5EF4-FFF2-40B4-BE49-F238E27FC236}">
-                <a16:creationId xmlns:a16="http://schemas.microsoft.com/office/drawing/2014/main" id="{D7C6DBB5-C96F-47F8-B41C-C70042FEB137}"/>
+                <a16:creationId xmlns:a16="http://schemas.microsoft.com/office/drawing/2014/main" id="{85AE2702-2212-46CF-A478-739A1D26FB95}"/>
               </a:ext>
             </a:extLst>
           </p:cNvPr>
@@ -5948,9 +5944,9 @@
             <a:pPr algn="ctr"/>
             <a:r>
               <a:rPr lang="en-US" dirty="0">
-                <a:hlinkClick r:id="rId4" action="ppaction://hlinkfile"/>
+                <a:hlinkClick r:id="rId4"/>
               </a:rPr>
-              <a:t>https://inst490-analytics-dashboard.herokuapp.com/</a:t>
+              <a:t>inst490-analytics-dashboard.herokuapp.com</a:t>
             </a:r>
             <a:endParaRPr lang="en-US" dirty="0"/>
           </a:p>
@@ -6110,7 +6106,15 @@
             </a:pPr>
             <a:r>
               <a:rPr lang="en" sz="1600" dirty="0"/>
-              <a:t>Designed in CSS</a:t>
+              <a:t>Designed </a:t>
+            </a:r>
+            <a:r>
+              <a:rPr lang="en-US" sz="1600" dirty="0"/>
+              <a:t>with</a:t>
+            </a:r>
+            <a:r>
+              <a:rPr lang="en" sz="1600" dirty="0"/>
+              <a:t> CSS</a:t>
             </a:r>
           </a:p>
           <a:p>
@@ -6153,7 +6157,7 @@
               <a:buSzPts val="1800"/>
               <a:buChar char="●"/>
             </a:pPr>
-            <a:endParaRPr sz="1600" dirty="0"/>
+            <a:endParaRPr lang="en" sz="1600" dirty="0"/>
           </a:p>
           <a:p>
             <a:pPr marL="457200" lvl="0" indent="-342900" algn="l" rtl="0">
@@ -6168,9 +6172,86 @@
             </a:pPr>
             <a:r>
               <a:rPr lang="en" sz="1600" dirty="0"/>
-              <a:t>Vessel for other multimedia</a:t>
-            </a:r>
-            <a:endParaRPr sz="1600" dirty="0"/>
+              <a:t>Facilitated by </a:t>
+            </a:r>
+            <a:r>
+              <a:rPr lang="en" sz="1600" dirty="0">
+                <a:hlinkClick r:id="rId3"/>
+              </a:rPr>
+              <a:t>G</a:t>
+            </a:r>
+            <a:r>
+              <a:rPr lang="en-US" sz="1600" dirty="0" err="1">
+                <a:hlinkClick r:id="rId3"/>
+              </a:rPr>
+              <a:t>itHub</a:t>
+            </a:r>
+            <a:endParaRPr lang="en-US" sz="1600" dirty="0"/>
+          </a:p>
+          <a:p>
+            <a:pPr marL="457200" lvl="0" indent="-342900" algn="l" rtl="0">
+              <a:spcBef>
+                <a:spcPts val="0"/>
+              </a:spcBef>
+              <a:spcAft>
+                <a:spcPts val="0"/>
+              </a:spcAft>
+              <a:buSzPts val="1800"/>
+              <a:buChar char="●"/>
+            </a:pPr>
+            <a:endParaRPr lang="en-US" sz="1600" dirty="0"/>
+          </a:p>
+          <a:p>
+            <a:pPr marL="457200" lvl="0" indent="-342900" algn="l" rtl="0">
+              <a:spcBef>
+                <a:spcPts val="0"/>
+              </a:spcBef>
+              <a:spcAft>
+                <a:spcPts val="0"/>
+              </a:spcAft>
+              <a:buSzPts val="1800"/>
+              <a:buChar char="●"/>
+            </a:pPr>
+            <a:r>
+              <a:rPr lang="en-US" sz="1600" dirty="0"/>
+              <a:t>Data</a:t>
+            </a:r>
+          </a:p>
+          <a:p>
+            <a:pPr lvl="1" indent="-342900">
+              <a:spcBef>
+                <a:spcPts val="0"/>
+              </a:spcBef>
+              <a:buSzPts val="1800"/>
+              <a:buChar char="●"/>
+            </a:pPr>
+            <a:r>
+              <a:rPr lang="en-US" sz="1450" dirty="0"/>
+              <a:t>Server: </a:t>
+            </a:r>
+            <a:r>
+              <a:rPr lang="en-US" sz="1450" dirty="0" err="1"/>
+              <a:t>nodeJS</a:t>
+            </a:r>
+            <a:endParaRPr lang="en-US" sz="1450" dirty="0"/>
+          </a:p>
+          <a:p>
+            <a:pPr lvl="1" indent="-342900">
+              <a:spcBef>
+                <a:spcPts val="0"/>
+              </a:spcBef>
+              <a:buSzPts val="1800"/>
+              <a:buChar char="●"/>
+            </a:pPr>
+            <a:r>
+              <a:rPr lang="en-US" sz="1450" dirty="0"/>
+              <a:t>Database: </a:t>
+            </a:r>
+            <a:r>
+              <a:rPr lang="en-US" sz="1450" dirty="0" err="1"/>
+              <a:t>BlueHost</a:t>
+            </a:r>
+            <a:endParaRPr sz="1450" dirty="0"/>
           </a:p>
         </p:txBody>
       </p:sp>
@@ -6189,7 +6270,7 @@
           <p:nvPr/>
         </p:nvPicPr>
         <p:blipFill rotWithShape="1">
-          <a:blip r:embed="rId3"/>
+          <a:blip r:embed="rId4"/>
           <a:srcRect r="19421"/>
           <a:stretch/>
         </p:blipFill>
@@ -6205,10 +6286,10 @@
       </p:pic>
       <p:sp>
         <p:nvSpPr>
-          <p:cNvPr id="5" name="Footer Placeholder 1">
+          <p:cNvPr id="6" name="Footer Placeholder 1">
             <a:extLst>
               <a:ext uri="{FF2B5EF4-FFF2-40B4-BE49-F238E27FC236}">
-                <a16:creationId xmlns:a16="http://schemas.microsoft.com/office/drawing/2014/main" id="{8C9AF3AD-D28F-4562-B214-2973E02D57E4}"/>
+                <a16:creationId xmlns:a16="http://schemas.microsoft.com/office/drawing/2014/main" id="{650DDB1F-4506-44F2-8E4E-B28364077A12}"/>
               </a:ext>
             </a:extLst>
           </p:cNvPr>
@@ -6327,9 +6408,9 @@
             <a:pPr algn="ctr"/>
             <a:r>
               <a:rPr lang="en-US" dirty="0">
-                <a:hlinkClick r:id="rId4" action="ppaction://hlinkfile"/>
+                <a:hlinkClick r:id="rId5"/>
               </a:rPr>
-              <a:t>https://inst490-analytics-dashboard.herokuapp.com/</a:t>
+              <a:t>inst490-analytics-dashboard.herokuapp.com</a:t>
             </a:r>
             <a:endParaRPr lang="en-US" dirty="0"/>
           </a:p>
@@ -6581,10 +6662,10 @@
       </p:sp>
       <p:sp>
         <p:nvSpPr>
-          <p:cNvPr id="10" name="Footer Placeholder 1">
+          <p:cNvPr id="8" name="Footer Placeholder 1">
             <a:extLst>
               <a:ext uri="{FF2B5EF4-FFF2-40B4-BE49-F238E27FC236}">
-                <a16:creationId xmlns:a16="http://schemas.microsoft.com/office/drawing/2014/main" id="{4E469FC6-6CB8-48D7-8D60-D90B42E72F02}"/>
+                <a16:creationId xmlns:a16="http://schemas.microsoft.com/office/drawing/2014/main" id="{367C50BF-62F3-4541-90EC-8931668326F0}"/>
               </a:ext>
             </a:extLst>
           </p:cNvPr>
@@ -6703,9 +6784,9 @@
             <a:pPr algn="ctr"/>
             <a:r>
               <a:rPr lang="en-US" dirty="0">
-                <a:hlinkClick r:id="rId6" action="ppaction://hlinkfile"/>
+                <a:hlinkClick r:id="rId6"/>
               </a:rPr>
-              <a:t>https://inst490-analytics-dashboard.herokuapp.com/</a:t>
+              <a:t>inst490-analytics-dashboard.herokuapp.com</a:t>
             </a:r>
             <a:endParaRPr lang="en-US" dirty="0"/>
           </a:p>
@@ -6928,10 +7009,10 @@
       </p:sp>
       <p:sp>
         <p:nvSpPr>
-          <p:cNvPr id="9" name="Footer Placeholder 1">
+          <p:cNvPr id="7" name="Footer Placeholder 1">
             <a:extLst>
               <a:ext uri="{FF2B5EF4-FFF2-40B4-BE49-F238E27FC236}">
-                <a16:creationId xmlns:a16="http://schemas.microsoft.com/office/drawing/2014/main" id="{4E77E5AF-DE3B-4C03-946D-7EEAD096D433}"/>
+                <a16:creationId xmlns:a16="http://schemas.microsoft.com/office/drawing/2014/main" id="{93D94664-CD27-47F8-B710-345DEC25D49F}"/>
               </a:ext>
             </a:extLst>
           </p:cNvPr>
@@ -7050,9 +7131,9 @@
             <a:pPr algn="ctr"/>
             <a:r>
               <a:rPr lang="en-US" dirty="0">
-                <a:hlinkClick r:id="rId6" action="ppaction://hlinkfile"/>
+                <a:hlinkClick r:id="rId6"/>
               </a:rPr>
-              <a:t>https://inst490-analytics-dashboard.herokuapp.com/</a:t>
+              <a:t>inst490-analytics-dashboard.herokuapp.com</a:t>
             </a:r>
             <a:endParaRPr lang="en-US" dirty="0"/>
           </a:p>
@@ -7160,49 +7241,12 @@
           </a:p>
         </p:txBody>
       </p:sp>
-      <p:pic>
-        <p:nvPicPr>
-          <p:cNvPr id="2" name="Picture 1">
+      <p:sp>
+        <p:nvSpPr>
+          <p:cNvPr id="6" name="Footer Placeholder 1">
             <a:extLst>
               <a:ext uri="{FF2B5EF4-FFF2-40B4-BE49-F238E27FC236}">
-                <a16:creationId xmlns:a16="http://schemas.microsoft.com/office/drawing/2014/main" id="{D1524B81-12D9-4AF4-B856-F8470004BDDE}"/>
-              </a:ext>
-            </a:extLst>
-          </p:cNvPr>
-          <p:cNvPicPr>
-            <a:picLocks noChangeAspect="1"/>
-          </p:cNvPicPr>
-          <p:nvPr/>
-        </p:nvPicPr>
-        <p:blipFill>
-          <a:blip r:embed="rId3"/>
-          <a:stretch>
-            <a:fillRect/>
-          </a:stretch>
-        </p:blipFill>
-        <p:spPr>
-          <a:xfrm>
-            <a:off x="4383292" y="523005"/>
-            <a:ext cx="2604497" cy="3991025"/>
-          </a:xfrm>
-          <a:prstGeom prst="rect">
-            <a:avLst/>
-          </a:prstGeom>
-          <a:effectLst>
-            <a:outerShdw blurRad="50800" dist="38100" dir="2700000" algn="tl" rotWithShape="0">
-              <a:prstClr val="black">
-                <a:alpha val="40000"/>
-              </a:prstClr>
-            </a:outerShdw>
-          </a:effectLst>
-        </p:spPr>
-      </p:pic>
-      <p:sp>
-        <p:nvSpPr>
-          <p:cNvPr id="5" name="Footer Placeholder 1">
-            <a:extLst>
-              <a:ext uri="{FF2B5EF4-FFF2-40B4-BE49-F238E27FC236}">
-                <a16:creationId xmlns:a16="http://schemas.microsoft.com/office/drawing/2014/main" id="{30133C32-0A3C-4DCF-920F-972252DCE02F}"/>
+                <a16:creationId xmlns:a16="http://schemas.microsoft.com/office/drawing/2014/main" id="{14F58938-710C-4FFF-8C66-9ABD19D2ADF3}"/>
               </a:ext>
             </a:extLst>
           </p:cNvPr>
@@ -7321,14 +7365,44 @@
             <a:pPr algn="ctr"/>
             <a:r>
               <a:rPr lang="en-US" dirty="0">
-                <a:hlinkClick r:id="rId4" action="ppaction://hlinkfile"/>
+                <a:hlinkClick r:id="rId3"/>
               </a:rPr>
-              <a:t>https://inst490-analytics-dashboard.herokuapp.com/</a:t>
+              <a:t>inst490-analytics-dashboard.herokuapp.com</a:t>
             </a:r>
             <a:endParaRPr lang="en-US" dirty="0"/>
           </a:p>
         </p:txBody>
       </p:sp>
+      <p:pic>
+        <p:nvPicPr>
+          <p:cNvPr id="3" name="Picture 2">
+            <a:extLst>
+              <a:ext uri="{FF2B5EF4-FFF2-40B4-BE49-F238E27FC236}">
+                <a16:creationId xmlns:a16="http://schemas.microsoft.com/office/drawing/2014/main" id="{763E8E0D-6AEB-4138-8498-C0164BFBFF1F}"/>
+              </a:ext>
+            </a:extLst>
+          </p:cNvPr>
+          <p:cNvPicPr>
+            <a:picLocks noChangeAspect="1"/>
+          </p:cNvPicPr>
+          <p:nvPr/>
+        </p:nvPicPr>
+        <p:blipFill>
+          <a:blip r:embed="rId4"/>
+          <a:stretch>
+            <a:fillRect/>
+          </a:stretch>
+        </p:blipFill>
+        <p:spPr>
+          <a:xfrm>
+            <a:off x="3679031" y="198829"/>
+            <a:ext cx="4214813" cy="4441483"/>
+          </a:xfrm>
+          <a:prstGeom prst="rect">
+            <a:avLst/>
+          </a:prstGeom>
+        </p:spPr>
+      </p:pic>
     </p:spTree>
   </p:cSld>
   <p:clrMapOvr>

--- a/public/pdf/Capstone Presentation.pptx
+++ b/public/pdf/Capstone Presentation.pptx
@@ -5556,9 +5556,9 @@
             <a:pPr algn="ctr"/>
             <a:r>
               <a:rPr lang="en-US" dirty="0">
-                <a:hlinkClick r:id="rId6"/>
+                <a:hlinkClick r:id="rId6" action="ppaction://hlinkfile"/>
               </a:rPr>
-              <a:t>inst490-analytics-dashboard.herokuapp.com</a:t>
+              <a:t>https://inst490-analytics-dashboard.herokuapp.com/</a:t>
             </a:r>
             <a:endParaRPr lang="en-US" dirty="0"/>
           </a:p>
@@ -5703,7 +5703,7 @@
             <a:pPr lvl="1" fontAlgn="base"/>
             <a:r>
               <a:rPr lang="en-US" dirty="0"/>
-              <a:t>Messages sent individually or as team</a:t>
+              <a:t>Messages sent individually or as team.</a:t>
             </a:r>
           </a:p>
           <a:p>
@@ -5766,66 +5766,70 @@
       </p:sp>
       <p:pic>
         <p:nvPicPr>
-          <p:cNvPr id="1026" name="Picture 2">
+          <p:cNvPr id="3" name="Picture 2" descr="A picture containing screenshot&#10;&#10;Description automatically generated">
             <a:extLst>
               <a:ext uri="{FF2B5EF4-FFF2-40B4-BE49-F238E27FC236}">
-                <a16:creationId xmlns:a16="http://schemas.microsoft.com/office/drawing/2014/main" id="{465689D4-A396-42DB-9DF7-4FCA38B33AB2}"/>
+                <a16:creationId xmlns:a16="http://schemas.microsoft.com/office/drawing/2014/main" id="{5A33DED6-5919-419C-8B5D-CBC48BAE01A6}"/>
               </a:ext>
             </a:extLst>
           </p:cNvPr>
           <p:cNvPicPr>
-            <a:picLocks noChangeAspect="1" noChangeArrowheads="1"/>
+            <a:picLocks noChangeAspect="1"/>
           </p:cNvPicPr>
           <p:nvPr/>
         </p:nvPicPr>
         <p:blipFill>
-          <a:blip r:embed="rId3">
-            <a:extLst>
-              <a:ext uri="{28A0092B-C50C-407E-A947-70E740481C1C}">
-                <a14:useLocalDpi xmlns:a14="http://schemas.microsoft.com/office/drawing/2010/main" val="0"/>
-              </a:ext>
-            </a:extLst>
-          </a:blip>
-          <a:srcRect/>
+          <a:blip r:embed="rId3"/>
           <a:stretch>
             <a:fillRect/>
           </a:stretch>
         </p:blipFill>
-        <p:spPr bwMode="auto">
+        <p:spPr>
           <a:xfrm>
-            <a:off x="4210144" y="1277258"/>
-            <a:ext cx="4687114" cy="2973614"/>
+            <a:off x="5295804" y="1155899"/>
+            <a:ext cx="3671646" cy="2835126"/>
           </a:xfrm>
           <a:prstGeom prst="rect">
             <a:avLst/>
           </a:prstGeom>
-          <a:ln>
-            <a:noFill/>
+          <a:solidFill>
+            <a:srgbClr val="FFFFFF">
+              <a:shade val="85000"/>
+            </a:srgbClr>
+          </a:solidFill>
+          <a:ln w="88900" cap="sq">
+            <a:solidFill>
+              <a:srgbClr val="FFFFFF"/>
+            </a:solidFill>
+            <a:miter lim="800000"/>
           </a:ln>
           <a:effectLst>
-            <a:outerShdw blurRad="292100" dist="139700" dir="2700000" algn="tl" rotWithShape="0">
-              <a:srgbClr val="333333">
-                <a:alpha val="65000"/>
+            <a:outerShdw blurRad="55000" dist="18000" dir="5400000" algn="tl" rotWithShape="0">
+              <a:srgbClr val="000000">
+                <a:alpha val="40000"/>
               </a:srgbClr>
             </a:outerShdw>
           </a:effectLst>
-          <a:extLst>
-            <a:ext uri="{909E8E84-426E-40DD-AFC4-6F175D3DCCD1}">
-              <a14:hiddenFill xmlns:a14="http://schemas.microsoft.com/office/drawing/2010/main">
-                <a:solidFill>
-                  <a:srgbClr val="FFFFFF"/>
-                </a:solidFill>
-              </a14:hiddenFill>
-            </a:ext>
-          </a:extLst>
+          <a:scene3d>
+            <a:camera prst="orthographicFront"/>
+            <a:lightRig rig="twoPt" dir="t">
+              <a:rot lat="0" lon="0" rev="7200000"/>
+            </a:lightRig>
+          </a:scene3d>
+          <a:sp3d>
+            <a:bevelT w="25400" h="19050"/>
+            <a:contourClr>
+              <a:srgbClr val="FFFFFF"/>
+            </a:contourClr>
+          </a:sp3d>
         </p:spPr>
       </p:pic>
       <p:sp>
         <p:nvSpPr>
-          <p:cNvPr id="7" name="Footer Placeholder 1">
+          <p:cNvPr id="6" name="Footer Placeholder 1">
             <a:extLst>
               <a:ext uri="{FF2B5EF4-FFF2-40B4-BE49-F238E27FC236}">
-                <a16:creationId xmlns:a16="http://schemas.microsoft.com/office/drawing/2014/main" id="{85AE2702-2212-46CF-A478-739A1D26FB95}"/>
+                <a16:creationId xmlns:a16="http://schemas.microsoft.com/office/drawing/2014/main" id="{D7C6DBB5-C96F-47F8-B41C-C70042FEB137}"/>
               </a:ext>
             </a:extLst>
           </p:cNvPr>
@@ -5944,9 +5948,9 @@
             <a:pPr algn="ctr"/>
             <a:r>
               <a:rPr lang="en-US" dirty="0">
-                <a:hlinkClick r:id="rId4"/>
+                <a:hlinkClick r:id="rId4" action="ppaction://hlinkfile"/>
               </a:rPr>
-              <a:t>inst490-analytics-dashboard.herokuapp.com</a:t>
+              <a:t>https://inst490-analytics-dashboard.herokuapp.com/</a:t>
             </a:r>
             <a:endParaRPr lang="en-US" dirty="0"/>
           </a:p>
@@ -6106,15 +6110,7 @@
             </a:pPr>
             <a:r>
               <a:rPr lang="en" sz="1600" dirty="0"/>
-              <a:t>Designed </a:t>
-            </a:r>
-            <a:r>
-              <a:rPr lang="en-US" sz="1600" dirty="0"/>
-              <a:t>with</a:t>
-            </a:r>
-            <a:r>
-              <a:rPr lang="en" sz="1600" dirty="0"/>
-              <a:t> CSS</a:t>
+              <a:t>Designed in CSS</a:t>
             </a:r>
           </a:p>
           <a:p>
@@ -6157,7 +6153,7 @@
               <a:buSzPts val="1800"/>
               <a:buChar char="●"/>
             </a:pPr>
-            <a:endParaRPr lang="en" sz="1600" dirty="0"/>
+            <a:endParaRPr sz="1600" dirty="0"/>
           </a:p>
           <a:p>
             <a:pPr marL="457200" lvl="0" indent="-342900" algn="l" rtl="0">
@@ -6172,86 +6168,9 @@
             </a:pPr>
             <a:r>
               <a:rPr lang="en" sz="1600" dirty="0"/>
-              <a:t>Facilitated by </a:t>
-            </a:r>
-            <a:r>
-              <a:rPr lang="en" sz="1600" dirty="0">
-                <a:hlinkClick r:id="rId3"/>
-              </a:rPr>
-              <a:t>G</a:t>
-            </a:r>
-            <a:r>
-              <a:rPr lang="en-US" sz="1600" dirty="0" err="1">
-                <a:hlinkClick r:id="rId3"/>
-              </a:rPr>
-              <a:t>itHub</a:t>
-            </a:r>
-            <a:endParaRPr lang="en-US" sz="1600" dirty="0"/>
-          </a:p>
-          <a:p>
-            <a:pPr marL="457200" lvl="0" indent="-342900" algn="l" rtl="0">
-              <a:spcBef>
-                <a:spcPts val="0"/>
-              </a:spcBef>
-              <a:spcAft>
-                <a:spcPts val="0"/>
-              </a:spcAft>
-              <a:buSzPts val="1800"/>
-              <a:buChar char="●"/>
-            </a:pPr>
-            <a:endParaRPr lang="en-US" sz="1600" dirty="0"/>
-          </a:p>
-          <a:p>
-            <a:pPr marL="457200" lvl="0" indent="-342900" algn="l" rtl="0">
-              <a:spcBef>
-                <a:spcPts val="0"/>
-              </a:spcBef>
-              <a:spcAft>
-                <a:spcPts val="0"/>
-              </a:spcAft>
-              <a:buSzPts val="1800"/>
-              <a:buChar char="●"/>
-            </a:pPr>
-            <a:r>
-              <a:rPr lang="en-US" sz="1600" dirty="0"/>
-              <a:t>Data</a:t>
-            </a:r>
-          </a:p>
-          <a:p>
-            <a:pPr lvl="1" indent="-342900">
-              <a:spcBef>
-                <a:spcPts val="0"/>
-              </a:spcBef>
-              <a:buSzPts val="1800"/>
-              <a:buChar char="●"/>
-            </a:pPr>
-            <a:r>
-              <a:rPr lang="en-US" sz="1450" dirty="0"/>
-              <a:t>Server: </a:t>
-            </a:r>
-            <a:r>
-              <a:rPr lang="en-US" sz="1450" dirty="0" err="1"/>
-              <a:t>nodeJS</a:t>
-            </a:r>
-            <a:endParaRPr lang="en-US" sz="1450" dirty="0"/>
-          </a:p>
-          <a:p>
-            <a:pPr lvl="1" indent="-342900">
-              <a:spcBef>
-                <a:spcPts val="0"/>
-              </a:spcBef>
-              <a:buSzPts val="1800"/>
-              <a:buChar char="●"/>
-            </a:pPr>
-            <a:r>
-              <a:rPr lang="en-US" sz="1450" dirty="0"/>
-              <a:t>Database: </a:t>
-            </a:r>
-            <a:r>
-              <a:rPr lang="en-US" sz="1450" dirty="0" err="1"/>
-              <a:t>BlueHost</a:t>
-            </a:r>
-            <a:endParaRPr sz="1450" dirty="0"/>
+              <a:t>Vessel for other multimedia</a:t>
+            </a:r>
+            <a:endParaRPr sz="1600" dirty="0"/>
           </a:p>
         </p:txBody>
       </p:sp>
@@ -6270,7 +6189,7 @@
           <p:nvPr/>
         </p:nvPicPr>
         <p:blipFill rotWithShape="1">
-          <a:blip r:embed="rId4"/>
+          <a:blip r:embed="rId3"/>
           <a:srcRect r="19421"/>
           <a:stretch/>
         </p:blipFill>
@@ -6286,10 +6205,10 @@
       </p:pic>
       <p:sp>
         <p:nvSpPr>
-          <p:cNvPr id="6" name="Footer Placeholder 1">
+          <p:cNvPr id="5" name="Footer Placeholder 1">
             <a:extLst>
               <a:ext uri="{FF2B5EF4-FFF2-40B4-BE49-F238E27FC236}">
-                <a16:creationId xmlns:a16="http://schemas.microsoft.com/office/drawing/2014/main" id="{650DDB1F-4506-44F2-8E4E-B28364077A12}"/>
+                <a16:creationId xmlns:a16="http://schemas.microsoft.com/office/drawing/2014/main" id="{8C9AF3AD-D28F-4562-B214-2973E02D57E4}"/>
               </a:ext>
             </a:extLst>
           </p:cNvPr>
@@ -6408,9 +6327,9 @@
             <a:pPr algn="ctr"/>
             <a:r>
               <a:rPr lang="en-US" dirty="0">
-                <a:hlinkClick r:id="rId5"/>
+                <a:hlinkClick r:id="rId4" action="ppaction://hlinkfile"/>
               </a:rPr>
-              <a:t>inst490-analytics-dashboard.herokuapp.com</a:t>
+              <a:t>https://inst490-analytics-dashboard.herokuapp.com/</a:t>
             </a:r>
             <a:endParaRPr lang="en-US" dirty="0"/>
           </a:p>
@@ -6662,10 +6581,10 @@
       </p:sp>
       <p:sp>
         <p:nvSpPr>
-          <p:cNvPr id="8" name="Footer Placeholder 1">
+          <p:cNvPr id="10" name="Footer Placeholder 1">
             <a:extLst>
               <a:ext uri="{FF2B5EF4-FFF2-40B4-BE49-F238E27FC236}">
-                <a16:creationId xmlns:a16="http://schemas.microsoft.com/office/drawing/2014/main" id="{367C50BF-62F3-4541-90EC-8931668326F0}"/>
+                <a16:creationId xmlns:a16="http://schemas.microsoft.com/office/drawing/2014/main" id="{4E469FC6-6CB8-48D7-8D60-D90B42E72F02}"/>
               </a:ext>
             </a:extLst>
           </p:cNvPr>
@@ -6784,9 +6703,9 @@
             <a:pPr algn="ctr"/>
             <a:r>
               <a:rPr lang="en-US" dirty="0">
-                <a:hlinkClick r:id="rId6"/>
+                <a:hlinkClick r:id="rId6" action="ppaction://hlinkfile"/>
               </a:rPr>
-              <a:t>inst490-analytics-dashboard.herokuapp.com</a:t>
+              <a:t>https://inst490-analytics-dashboard.herokuapp.com/</a:t>
             </a:r>
             <a:endParaRPr lang="en-US" dirty="0"/>
           </a:p>
@@ -7009,10 +6928,10 @@
       </p:sp>
       <p:sp>
         <p:nvSpPr>
-          <p:cNvPr id="7" name="Footer Placeholder 1">
+          <p:cNvPr id="9" name="Footer Placeholder 1">
             <a:extLst>
               <a:ext uri="{FF2B5EF4-FFF2-40B4-BE49-F238E27FC236}">
-                <a16:creationId xmlns:a16="http://schemas.microsoft.com/office/drawing/2014/main" id="{93D94664-CD27-47F8-B710-345DEC25D49F}"/>
+                <a16:creationId xmlns:a16="http://schemas.microsoft.com/office/drawing/2014/main" id="{4E77E5AF-DE3B-4C03-946D-7EEAD096D433}"/>
               </a:ext>
             </a:extLst>
           </p:cNvPr>
@@ -7131,9 +7050,9 @@
             <a:pPr algn="ctr"/>
             <a:r>
               <a:rPr lang="en-US" dirty="0">
-                <a:hlinkClick r:id="rId6"/>
+                <a:hlinkClick r:id="rId6" action="ppaction://hlinkfile"/>
               </a:rPr>
-              <a:t>inst490-analytics-dashboard.herokuapp.com</a:t>
+              <a:t>https://inst490-analytics-dashboard.herokuapp.com/</a:t>
             </a:r>
             <a:endParaRPr lang="en-US" dirty="0"/>
           </a:p>
@@ -7241,12 +7160,49 @@
           </a:p>
         </p:txBody>
       </p:sp>
-      <p:sp>
-        <p:nvSpPr>
-          <p:cNvPr id="6" name="Footer Placeholder 1">
+      <p:pic>
+        <p:nvPicPr>
+          <p:cNvPr id="2" name="Picture 1">
             <a:extLst>
               <a:ext uri="{FF2B5EF4-FFF2-40B4-BE49-F238E27FC236}">
-                <a16:creationId xmlns:a16="http://schemas.microsoft.com/office/drawing/2014/main" id="{14F58938-710C-4FFF-8C66-9ABD19D2ADF3}"/>
+                <a16:creationId xmlns:a16="http://schemas.microsoft.com/office/drawing/2014/main" id="{D1524B81-12D9-4AF4-B856-F8470004BDDE}"/>
+              </a:ext>
+            </a:extLst>
+          </p:cNvPr>
+          <p:cNvPicPr>
+            <a:picLocks noChangeAspect="1"/>
+          </p:cNvPicPr>
+          <p:nvPr/>
+        </p:nvPicPr>
+        <p:blipFill>
+          <a:blip r:embed="rId3"/>
+          <a:stretch>
+            <a:fillRect/>
+          </a:stretch>
+        </p:blipFill>
+        <p:spPr>
+          <a:xfrm>
+            <a:off x="4383292" y="523005"/>
+            <a:ext cx="2604497" cy="3991025"/>
+          </a:xfrm>
+          <a:prstGeom prst="rect">
+            <a:avLst/>
+          </a:prstGeom>
+          <a:effectLst>
+            <a:outerShdw blurRad="50800" dist="38100" dir="2700000" algn="tl" rotWithShape="0">
+              <a:prstClr val="black">
+                <a:alpha val="40000"/>
+              </a:prstClr>
+            </a:outerShdw>
+          </a:effectLst>
+        </p:spPr>
+      </p:pic>
+      <p:sp>
+        <p:nvSpPr>
+          <p:cNvPr id="5" name="Footer Placeholder 1">
+            <a:extLst>
+              <a:ext uri="{FF2B5EF4-FFF2-40B4-BE49-F238E27FC236}">
+                <a16:creationId xmlns:a16="http://schemas.microsoft.com/office/drawing/2014/main" id="{30133C32-0A3C-4DCF-920F-972252DCE02F}"/>
               </a:ext>
             </a:extLst>
           </p:cNvPr>
@@ -7365,44 +7321,14 @@
             <a:pPr algn="ctr"/>
             <a:r>
               <a:rPr lang="en-US" dirty="0">
-                <a:hlinkClick r:id="rId3"/>
+                <a:hlinkClick r:id="rId4" action="ppaction://hlinkfile"/>
               </a:rPr>
-              <a:t>inst490-analytics-dashboard.herokuapp.com</a:t>
+              <a:t>https://inst490-analytics-dashboard.herokuapp.com/</a:t>
             </a:r>
             <a:endParaRPr lang="en-US" dirty="0"/>
           </a:p>
         </p:txBody>
       </p:sp>
-      <p:pic>
-        <p:nvPicPr>
-          <p:cNvPr id="3" name="Picture 2">
-            <a:extLst>
-              <a:ext uri="{FF2B5EF4-FFF2-40B4-BE49-F238E27FC236}">
-                <a16:creationId xmlns:a16="http://schemas.microsoft.com/office/drawing/2014/main" id="{763E8E0D-6AEB-4138-8498-C0164BFBFF1F}"/>
-              </a:ext>
-            </a:extLst>
-          </p:cNvPr>
-          <p:cNvPicPr>
-            <a:picLocks noChangeAspect="1"/>
-          </p:cNvPicPr>
-          <p:nvPr/>
-        </p:nvPicPr>
-        <p:blipFill>
-          <a:blip r:embed="rId4"/>
-          <a:stretch>
-            <a:fillRect/>
-          </a:stretch>
-        </p:blipFill>
-        <p:spPr>
-          <a:xfrm>
-            <a:off x="3679031" y="198829"/>
-            <a:ext cx="4214813" cy="4441483"/>
-          </a:xfrm>
-          <a:prstGeom prst="rect">
-            <a:avLst/>
-          </a:prstGeom>
-        </p:spPr>
-      </p:pic>
     </p:spTree>
   </p:cSld>
   <p:clrMapOvr>

--- a/public/pdf/Capstone Presentation.pptx
+++ b/public/pdf/Capstone Presentation.pptx
@@ -5434,129 +5434,36 @@
       </p:sp>
       <p:sp>
         <p:nvSpPr>
-          <p:cNvPr id="10" name="Footer Placeholder 1">
+          <p:cNvPr id="9" name="TextBox 8">
             <a:extLst>
               <a:ext uri="{FF2B5EF4-FFF2-40B4-BE49-F238E27FC236}">
-                <a16:creationId xmlns:a16="http://schemas.microsoft.com/office/drawing/2014/main" id="{001008E0-17BC-4C4F-ABD0-A56149A5F973}"/>
+                <a16:creationId xmlns:a16="http://schemas.microsoft.com/office/drawing/2014/main" id="{0AB9E65A-DFE7-459C-A26C-B11C88B81578}"/>
               </a:ext>
             </a:extLst>
           </p:cNvPr>
-          <p:cNvSpPr txBox="1">
-            <a:spLocks/>
-          </p:cNvSpPr>
+          <p:cNvSpPr txBox="1"/>
           <p:nvPr/>
         </p:nvSpPr>
         <p:spPr>
           <a:xfrm>
-            <a:off x="-50006" y="4698475"/>
-            <a:ext cx="9144000" cy="407195"/>
+            <a:off x="111682" y="4703926"/>
+            <a:ext cx="8920635" cy="369332"/>
           </a:xfrm>
           <a:prstGeom prst="rect">
             <a:avLst/>
           </a:prstGeom>
-        </p:spPr>
-        <p:txBody>
-          <a:bodyPr/>
-          <a:lstStyle>
-            <a:defPPr>
-              <a:defRPr lang="en-US"/>
-            </a:defPPr>
-            <a:lvl1pPr marL="0" algn="l" defTabSz="457200" rtl="0" eaLnBrk="1" latinLnBrk="0" hangingPunct="1">
-              <a:defRPr sz="1800" kern="1200">
-                <a:solidFill>
-                  <a:schemeClr val="tx1"/>
-                </a:solidFill>
-                <a:latin typeface="+mn-lt"/>
-                <a:ea typeface="+mn-ea"/>
-                <a:cs typeface="+mn-cs"/>
-              </a:defRPr>
-            </a:lvl1pPr>
-            <a:lvl2pPr marL="457200" algn="l" defTabSz="457200" rtl="0" eaLnBrk="1" latinLnBrk="0" hangingPunct="1">
-              <a:defRPr sz="1800" kern="1200">
-                <a:solidFill>
-                  <a:schemeClr val="tx1"/>
-                </a:solidFill>
-                <a:latin typeface="+mn-lt"/>
-                <a:ea typeface="+mn-ea"/>
-                <a:cs typeface="+mn-cs"/>
-              </a:defRPr>
-            </a:lvl2pPr>
-            <a:lvl3pPr marL="914400" algn="l" defTabSz="457200" rtl="0" eaLnBrk="1" latinLnBrk="0" hangingPunct="1">
-              <a:defRPr sz="1800" kern="1200">
-                <a:solidFill>
-                  <a:schemeClr val="tx1"/>
-                </a:solidFill>
-                <a:latin typeface="+mn-lt"/>
-                <a:ea typeface="+mn-ea"/>
-                <a:cs typeface="+mn-cs"/>
-              </a:defRPr>
-            </a:lvl3pPr>
-            <a:lvl4pPr marL="1371600" algn="l" defTabSz="457200" rtl="0" eaLnBrk="1" latinLnBrk="0" hangingPunct="1">
-              <a:defRPr sz="1800" kern="1200">
-                <a:solidFill>
-                  <a:schemeClr val="tx1"/>
-                </a:solidFill>
-                <a:latin typeface="+mn-lt"/>
-                <a:ea typeface="+mn-ea"/>
-                <a:cs typeface="+mn-cs"/>
-              </a:defRPr>
-            </a:lvl4pPr>
-            <a:lvl5pPr marL="1828800" algn="l" defTabSz="457200" rtl="0" eaLnBrk="1" latinLnBrk="0" hangingPunct="1">
-              <a:defRPr sz="1800" kern="1200">
-                <a:solidFill>
-                  <a:schemeClr val="tx1"/>
-                </a:solidFill>
-                <a:latin typeface="+mn-lt"/>
-                <a:ea typeface="+mn-ea"/>
-                <a:cs typeface="+mn-cs"/>
-              </a:defRPr>
-            </a:lvl5pPr>
-            <a:lvl6pPr marL="2286000" algn="l" defTabSz="457200" rtl="0" eaLnBrk="1" latinLnBrk="0" hangingPunct="1">
-              <a:defRPr sz="1800" kern="1200">
-                <a:solidFill>
-                  <a:schemeClr val="tx1"/>
-                </a:solidFill>
-                <a:latin typeface="+mn-lt"/>
-                <a:ea typeface="+mn-ea"/>
-                <a:cs typeface="+mn-cs"/>
-              </a:defRPr>
-            </a:lvl6pPr>
-            <a:lvl7pPr marL="2743200" algn="l" defTabSz="457200" rtl="0" eaLnBrk="1" latinLnBrk="0" hangingPunct="1">
-              <a:defRPr sz="1800" kern="1200">
-                <a:solidFill>
-                  <a:schemeClr val="tx1"/>
-                </a:solidFill>
-                <a:latin typeface="+mn-lt"/>
-                <a:ea typeface="+mn-ea"/>
-                <a:cs typeface="+mn-cs"/>
-              </a:defRPr>
-            </a:lvl7pPr>
-            <a:lvl8pPr marL="3200400" algn="l" defTabSz="457200" rtl="0" eaLnBrk="1" latinLnBrk="0" hangingPunct="1">
-              <a:defRPr sz="1800" kern="1200">
-                <a:solidFill>
-                  <a:schemeClr val="tx1"/>
-                </a:solidFill>
-                <a:latin typeface="+mn-lt"/>
-                <a:ea typeface="+mn-ea"/>
-                <a:cs typeface="+mn-cs"/>
-              </a:defRPr>
-            </a:lvl8pPr>
-            <a:lvl9pPr marL="3657600" algn="l" defTabSz="457200" rtl="0" eaLnBrk="1" latinLnBrk="0" hangingPunct="1">
-              <a:defRPr sz="1800" kern="1200">
-                <a:solidFill>
-                  <a:schemeClr val="tx1"/>
-                </a:solidFill>
-                <a:latin typeface="+mn-lt"/>
-                <a:ea typeface="+mn-ea"/>
-                <a:cs typeface="+mn-cs"/>
-              </a:defRPr>
-            </a:lvl9pPr>
-          </a:lstStyle>
+          <a:noFill/>
+        </p:spPr>
+        <p:txBody>
+          <a:bodyPr wrap="square" rtlCol="0">
+            <a:spAutoFit/>
+          </a:bodyPr>
+          <a:lstStyle/>
           <a:p>
             <a:pPr algn="ctr"/>
             <a:r>
               <a:rPr lang="en-US" dirty="0">
-                <a:hlinkClick r:id="rId6" action="ppaction://hlinkfile"/>
+                <a:hlinkClick r:id="rId6"/>
               </a:rPr>
               <a:t>https://inst490-analytics-dashboard.herokuapp.com/</a:t>
             </a:r>
@@ -5600,6 +5507,10 @@
           </p:nvPr>
         </p:nvSpPr>
         <p:spPr>
+          <a:xfrm>
+            <a:off x="311700" y="445025"/>
+            <a:ext cx="8520600" cy="572700"/>
+          </a:xfrm>
           <a:prstGeom prst="rect">
             <a:avLst/>
           </a:prstGeom>
@@ -5620,10 +5531,9 @@
               <a:buNone/>
             </a:pPr>
             <a:r>
-              <a:rPr lang="en"/>
+              <a:rPr lang="en-US"/>
               <a:t>Development - Database</a:t>
             </a:r>
-            <a:endParaRPr/>
           </a:p>
         </p:txBody>
       </p:sp>
@@ -5638,6 +5548,10 @@
           </p:nvPr>
         </p:nvSpPr>
         <p:spPr>
+          <a:xfrm>
+            <a:off x="311700" y="1152475"/>
+            <a:ext cx="8520600" cy="3416400"/>
+          </a:xfrm>
           <a:prstGeom prst="rect">
             <a:avLst/>
           </a:prstGeom>
@@ -5659,7 +5573,7 @@
               <a:buChar char="●"/>
             </a:pPr>
             <a:r>
-              <a:rPr lang="en" sz="1600" dirty="0"/>
+              <a:rPr lang="en-US" sz="1600" dirty="0"/>
               <a:t>Created in MySQL Workbench</a:t>
             </a:r>
           </a:p>
@@ -5674,7 +5588,7 @@
               <a:buSzPts val="1800"/>
               <a:buChar char="●"/>
             </a:pPr>
-            <a:endParaRPr sz="1600" dirty="0"/>
+            <a:endParaRPr lang="en-US" sz="1600" dirty="0"/>
           </a:p>
           <a:p>
             <a:pPr marL="114300" indent="0" fontAlgn="base">
@@ -5703,7 +5617,7 @@
             <a:pPr lvl="1" fontAlgn="base"/>
             <a:r>
               <a:rPr lang="en-US" dirty="0"/>
-              <a:t>Messages sent individually or as team.</a:t>
+              <a:t>Messages sent individually or as team</a:t>
             </a:r>
           </a:p>
           <a:p>
@@ -5717,7 +5631,7 @@
               <a:buSzPts val="1800"/>
               <a:buChar char="●"/>
             </a:pPr>
-            <a:endParaRPr lang="en" sz="1600" dirty="0"/>
+            <a:endParaRPr lang="en-US" sz="1600" dirty="0"/>
           </a:p>
           <a:p>
             <a:pPr marL="457200" lvl="0" indent="-342900" algn="l" rtl="0">
@@ -5730,7 +5644,7 @@
               <a:buSzPts val="1800"/>
               <a:buChar char="●"/>
             </a:pPr>
-            <a:endParaRPr sz="1600" dirty="0"/>
+            <a:endParaRPr lang="en-US" sz="1600" dirty="0"/>
           </a:p>
           <a:p>
             <a:pPr marL="457200" lvl="0" indent="-342900" algn="l" rtl="0">
@@ -5744,10 +5658,9 @@
               <a:buChar char="●"/>
             </a:pPr>
             <a:r>
-              <a:rPr lang="en" sz="1600" dirty="0"/>
+              <a:rPr lang="en-US" sz="1600" dirty="0"/>
               <a:t>Manually Coded Test Data</a:t>
             </a:r>
-            <a:endParaRPr sz="1600" dirty="0"/>
           </a:p>
           <a:p>
             <a:pPr marL="457200" lvl="0" indent="-342900" algn="l" rtl="0">
@@ -5760,195 +5673,98 @@
               <a:buSzPts val="1800"/>
               <a:buChar char="●"/>
             </a:pPr>
-            <a:endParaRPr sz="1600" dirty="0"/>
+            <a:endParaRPr lang="en-US" sz="1600" dirty="0"/>
           </a:p>
         </p:txBody>
       </p:sp>
       <p:pic>
         <p:nvPicPr>
-          <p:cNvPr id="3" name="Picture 2" descr="A picture containing screenshot&#10;&#10;Description automatically generated">
+          <p:cNvPr id="1026" name="Picture 2">
             <a:extLst>
               <a:ext uri="{FF2B5EF4-FFF2-40B4-BE49-F238E27FC236}">
-                <a16:creationId xmlns:a16="http://schemas.microsoft.com/office/drawing/2014/main" id="{5A33DED6-5919-419C-8B5D-CBC48BAE01A6}"/>
+                <a16:creationId xmlns:a16="http://schemas.microsoft.com/office/drawing/2014/main" id="{27CCD54C-96C8-47F6-8B46-278F47F2D4C1}"/>
               </a:ext>
             </a:extLst>
           </p:cNvPr>
           <p:cNvPicPr>
-            <a:picLocks noChangeAspect="1"/>
+            <a:picLocks noChangeAspect="1" noChangeArrowheads="1"/>
           </p:cNvPicPr>
           <p:nvPr/>
         </p:nvPicPr>
         <p:blipFill>
-          <a:blip r:embed="rId3"/>
+          <a:blip r:embed="rId3">
+            <a:extLst>
+              <a:ext uri="{28A0092B-C50C-407E-A947-70E740481C1C}">
+                <a14:useLocalDpi xmlns:a14="http://schemas.microsoft.com/office/drawing/2010/main" val="0"/>
+              </a:ext>
+            </a:extLst>
+          </a:blip>
+          <a:srcRect/>
           <a:stretch>
             <a:fillRect/>
           </a:stretch>
         </p:blipFill>
-        <p:spPr>
+        <p:spPr bwMode="auto">
           <a:xfrm>
-            <a:off x="5295804" y="1155899"/>
-            <a:ext cx="3671646" cy="2835126"/>
+            <a:off x="4307748" y="1177128"/>
+            <a:ext cx="4396501" cy="2789243"/>
           </a:xfrm>
           <a:prstGeom prst="rect">
             <a:avLst/>
           </a:prstGeom>
-          <a:solidFill>
-            <a:srgbClr val="FFFFFF">
-              <a:shade val="85000"/>
-            </a:srgbClr>
-          </a:solidFill>
-          <a:ln w="88900" cap="sq">
-            <a:solidFill>
-              <a:srgbClr val="FFFFFF"/>
-            </a:solidFill>
-            <a:miter lim="800000"/>
+          <a:ln>
+            <a:noFill/>
           </a:ln>
           <a:effectLst>
-            <a:outerShdw blurRad="55000" dist="18000" dir="5400000" algn="tl" rotWithShape="0">
-              <a:srgbClr val="000000">
-                <a:alpha val="40000"/>
+            <a:outerShdw blurRad="292100" dist="139700" dir="2700000" algn="tl" rotWithShape="0">
+              <a:srgbClr val="333333">
+                <a:alpha val="65000"/>
               </a:srgbClr>
             </a:outerShdw>
           </a:effectLst>
-          <a:scene3d>
-            <a:camera prst="orthographicFront"/>
-            <a:lightRig rig="twoPt" dir="t">
-              <a:rot lat="0" lon="0" rev="7200000"/>
-            </a:lightRig>
-          </a:scene3d>
-          <a:sp3d>
-            <a:bevelT w="25400" h="19050"/>
-            <a:contourClr>
-              <a:srgbClr val="FFFFFF"/>
-            </a:contourClr>
-          </a:sp3d>
+          <a:extLst>
+            <a:ext uri="{909E8E84-426E-40DD-AFC4-6F175D3DCCD1}">
+              <a14:hiddenFill xmlns:a14="http://schemas.microsoft.com/office/drawing/2010/main">
+                <a:solidFill>
+                  <a:srgbClr val="FFFFFF"/>
+                </a:solidFill>
+              </a14:hiddenFill>
+            </a:ext>
+          </a:extLst>
         </p:spPr>
       </p:pic>
       <p:sp>
         <p:nvSpPr>
-          <p:cNvPr id="6" name="Footer Placeholder 1">
+          <p:cNvPr id="10" name="TextBox 9">
             <a:extLst>
               <a:ext uri="{FF2B5EF4-FFF2-40B4-BE49-F238E27FC236}">
-                <a16:creationId xmlns:a16="http://schemas.microsoft.com/office/drawing/2014/main" id="{D7C6DBB5-C96F-47F8-B41C-C70042FEB137}"/>
+                <a16:creationId xmlns:a16="http://schemas.microsoft.com/office/drawing/2014/main" id="{F4E99B45-3D89-48DC-AB70-A47CBAFB6EC4}"/>
               </a:ext>
             </a:extLst>
           </p:cNvPr>
-          <p:cNvSpPr txBox="1">
-            <a:spLocks/>
-          </p:cNvSpPr>
+          <p:cNvSpPr txBox="1"/>
           <p:nvPr/>
         </p:nvSpPr>
         <p:spPr>
           <a:xfrm>
-            <a:off x="-50006" y="4698475"/>
-            <a:ext cx="9144000" cy="407195"/>
+            <a:off x="111682" y="4703926"/>
+            <a:ext cx="8920635" cy="369332"/>
           </a:xfrm>
           <a:prstGeom prst="rect">
             <a:avLst/>
           </a:prstGeom>
-        </p:spPr>
-        <p:txBody>
-          <a:bodyPr/>
-          <a:lstStyle>
-            <a:defPPr>
-              <a:defRPr lang="en-US"/>
-            </a:defPPr>
-            <a:lvl1pPr marL="0" algn="l" defTabSz="457200" rtl="0" eaLnBrk="1" latinLnBrk="0" hangingPunct="1">
-              <a:defRPr sz="1800" kern="1200">
-                <a:solidFill>
-                  <a:schemeClr val="tx1"/>
-                </a:solidFill>
-                <a:latin typeface="+mn-lt"/>
-                <a:ea typeface="+mn-ea"/>
-                <a:cs typeface="+mn-cs"/>
-              </a:defRPr>
-            </a:lvl1pPr>
-            <a:lvl2pPr marL="457200" algn="l" defTabSz="457200" rtl="0" eaLnBrk="1" latinLnBrk="0" hangingPunct="1">
-              <a:defRPr sz="1800" kern="1200">
-                <a:solidFill>
-                  <a:schemeClr val="tx1"/>
-                </a:solidFill>
-                <a:latin typeface="+mn-lt"/>
-                <a:ea typeface="+mn-ea"/>
-                <a:cs typeface="+mn-cs"/>
-              </a:defRPr>
-            </a:lvl2pPr>
-            <a:lvl3pPr marL="914400" algn="l" defTabSz="457200" rtl="0" eaLnBrk="1" latinLnBrk="0" hangingPunct="1">
-              <a:defRPr sz="1800" kern="1200">
-                <a:solidFill>
-                  <a:schemeClr val="tx1"/>
-                </a:solidFill>
-                <a:latin typeface="+mn-lt"/>
-                <a:ea typeface="+mn-ea"/>
-                <a:cs typeface="+mn-cs"/>
-              </a:defRPr>
-            </a:lvl3pPr>
-            <a:lvl4pPr marL="1371600" algn="l" defTabSz="457200" rtl="0" eaLnBrk="1" latinLnBrk="0" hangingPunct="1">
-              <a:defRPr sz="1800" kern="1200">
-                <a:solidFill>
-                  <a:schemeClr val="tx1"/>
-                </a:solidFill>
-                <a:latin typeface="+mn-lt"/>
-                <a:ea typeface="+mn-ea"/>
-                <a:cs typeface="+mn-cs"/>
-              </a:defRPr>
-            </a:lvl4pPr>
-            <a:lvl5pPr marL="1828800" algn="l" defTabSz="457200" rtl="0" eaLnBrk="1" latinLnBrk="0" hangingPunct="1">
-              <a:defRPr sz="1800" kern="1200">
-                <a:solidFill>
-                  <a:schemeClr val="tx1"/>
-                </a:solidFill>
-                <a:latin typeface="+mn-lt"/>
-                <a:ea typeface="+mn-ea"/>
-                <a:cs typeface="+mn-cs"/>
-              </a:defRPr>
-            </a:lvl5pPr>
-            <a:lvl6pPr marL="2286000" algn="l" defTabSz="457200" rtl="0" eaLnBrk="1" latinLnBrk="0" hangingPunct="1">
-              <a:defRPr sz="1800" kern="1200">
-                <a:solidFill>
-                  <a:schemeClr val="tx1"/>
-                </a:solidFill>
-                <a:latin typeface="+mn-lt"/>
-                <a:ea typeface="+mn-ea"/>
-                <a:cs typeface="+mn-cs"/>
-              </a:defRPr>
-            </a:lvl6pPr>
-            <a:lvl7pPr marL="2743200" algn="l" defTabSz="457200" rtl="0" eaLnBrk="1" latinLnBrk="0" hangingPunct="1">
-              <a:defRPr sz="1800" kern="1200">
-                <a:solidFill>
-                  <a:schemeClr val="tx1"/>
-                </a:solidFill>
-                <a:latin typeface="+mn-lt"/>
-                <a:ea typeface="+mn-ea"/>
-                <a:cs typeface="+mn-cs"/>
-              </a:defRPr>
-            </a:lvl7pPr>
-            <a:lvl8pPr marL="3200400" algn="l" defTabSz="457200" rtl="0" eaLnBrk="1" latinLnBrk="0" hangingPunct="1">
-              <a:defRPr sz="1800" kern="1200">
-                <a:solidFill>
-                  <a:schemeClr val="tx1"/>
-                </a:solidFill>
-                <a:latin typeface="+mn-lt"/>
-                <a:ea typeface="+mn-ea"/>
-                <a:cs typeface="+mn-cs"/>
-              </a:defRPr>
-            </a:lvl8pPr>
-            <a:lvl9pPr marL="3657600" algn="l" defTabSz="457200" rtl="0" eaLnBrk="1" latinLnBrk="0" hangingPunct="1">
-              <a:defRPr sz="1800" kern="1200">
-                <a:solidFill>
-                  <a:schemeClr val="tx1"/>
-                </a:solidFill>
-                <a:latin typeface="+mn-lt"/>
-                <a:ea typeface="+mn-ea"/>
-                <a:cs typeface="+mn-cs"/>
-              </a:defRPr>
-            </a:lvl9pPr>
-          </a:lstStyle>
+          <a:noFill/>
+        </p:spPr>
+        <p:txBody>
+          <a:bodyPr wrap="square" rtlCol="0">
+            <a:spAutoFit/>
+          </a:bodyPr>
+          <a:lstStyle/>
           <a:p>
             <a:pPr algn="ctr"/>
             <a:r>
               <a:rPr lang="en-US" dirty="0">
-                <a:hlinkClick r:id="rId4" action="ppaction://hlinkfile"/>
+                <a:hlinkClick r:id="rId4"/>
               </a:rPr>
               <a:t>https://inst490-analytics-dashboard.herokuapp.com/</a:t>
             </a:r>
@@ -6167,8 +5983,14 @@
               <a:buChar char="●"/>
             </a:pPr>
             <a:r>
-              <a:rPr lang="en" sz="1600" dirty="0"/>
-              <a:t>Vessel for other multimedia</a:t>
+              <a:rPr lang="en-US" sz="1600" dirty="0"/>
+              <a:t>Facilitated through </a:t>
+            </a:r>
+            <a:r>
+              <a:rPr lang="en-US" sz="1600" dirty="0">
+                <a:hlinkClick r:id="rId3"/>
+              </a:rPr>
+              <a:t>GitHub</a:t>
             </a:r>
             <a:endParaRPr sz="1600" dirty="0"/>
           </a:p>
@@ -6189,7 +6011,7 @@
           <p:nvPr/>
         </p:nvPicPr>
         <p:blipFill rotWithShape="1">
-          <a:blip r:embed="rId3"/>
+          <a:blip r:embed="rId4"/>
           <a:srcRect r="19421"/>
           <a:stretch/>
         </p:blipFill>
@@ -6205,129 +6027,36 @@
       </p:pic>
       <p:sp>
         <p:nvSpPr>
-          <p:cNvPr id="5" name="Footer Placeholder 1">
+          <p:cNvPr id="7" name="TextBox 6">
             <a:extLst>
               <a:ext uri="{FF2B5EF4-FFF2-40B4-BE49-F238E27FC236}">
-                <a16:creationId xmlns:a16="http://schemas.microsoft.com/office/drawing/2014/main" id="{8C9AF3AD-D28F-4562-B214-2973E02D57E4}"/>
+                <a16:creationId xmlns:a16="http://schemas.microsoft.com/office/drawing/2014/main" id="{C5B9E001-A468-477C-8D1F-8EBB59064B91}"/>
               </a:ext>
             </a:extLst>
           </p:cNvPr>
-          <p:cNvSpPr txBox="1">
-            <a:spLocks/>
-          </p:cNvSpPr>
+          <p:cNvSpPr txBox="1"/>
           <p:nvPr/>
         </p:nvSpPr>
         <p:spPr>
           <a:xfrm>
-            <a:off x="-50006" y="4698475"/>
-            <a:ext cx="9144000" cy="407195"/>
+            <a:off x="111682" y="4703926"/>
+            <a:ext cx="8920635" cy="369332"/>
           </a:xfrm>
           <a:prstGeom prst="rect">
             <a:avLst/>
           </a:prstGeom>
-        </p:spPr>
-        <p:txBody>
-          <a:bodyPr/>
-          <a:lstStyle>
-            <a:defPPr>
-              <a:defRPr lang="en-US"/>
-            </a:defPPr>
-            <a:lvl1pPr marL="0" algn="l" defTabSz="457200" rtl="0" eaLnBrk="1" latinLnBrk="0" hangingPunct="1">
-              <a:defRPr sz="1800" kern="1200">
-                <a:solidFill>
-                  <a:schemeClr val="tx1"/>
-                </a:solidFill>
-                <a:latin typeface="+mn-lt"/>
-                <a:ea typeface="+mn-ea"/>
-                <a:cs typeface="+mn-cs"/>
-              </a:defRPr>
-            </a:lvl1pPr>
-            <a:lvl2pPr marL="457200" algn="l" defTabSz="457200" rtl="0" eaLnBrk="1" latinLnBrk="0" hangingPunct="1">
-              <a:defRPr sz="1800" kern="1200">
-                <a:solidFill>
-                  <a:schemeClr val="tx1"/>
-                </a:solidFill>
-                <a:latin typeface="+mn-lt"/>
-                <a:ea typeface="+mn-ea"/>
-                <a:cs typeface="+mn-cs"/>
-              </a:defRPr>
-            </a:lvl2pPr>
-            <a:lvl3pPr marL="914400" algn="l" defTabSz="457200" rtl="0" eaLnBrk="1" latinLnBrk="0" hangingPunct="1">
-              <a:defRPr sz="1800" kern="1200">
-                <a:solidFill>
-                  <a:schemeClr val="tx1"/>
-                </a:solidFill>
-                <a:latin typeface="+mn-lt"/>
-                <a:ea typeface="+mn-ea"/>
-                <a:cs typeface="+mn-cs"/>
-              </a:defRPr>
-            </a:lvl3pPr>
-            <a:lvl4pPr marL="1371600" algn="l" defTabSz="457200" rtl="0" eaLnBrk="1" latinLnBrk="0" hangingPunct="1">
-              <a:defRPr sz="1800" kern="1200">
-                <a:solidFill>
-                  <a:schemeClr val="tx1"/>
-                </a:solidFill>
-                <a:latin typeface="+mn-lt"/>
-                <a:ea typeface="+mn-ea"/>
-                <a:cs typeface="+mn-cs"/>
-              </a:defRPr>
-            </a:lvl4pPr>
-            <a:lvl5pPr marL="1828800" algn="l" defTabSz="457200" rtl="0" eaLnBrk="1" latinLnBrk="0" hangingPunct="1">
-              <a:defRPr sz="1800" kern="1200">
-                <a:solidFill>
-                  <a:schemeClr val="tx1"/>
-                </a:solidFill>
-                <a:latin typeface="+mn-lt"/>
-                <a:ea typeface="+mn-ea"/>
-                <a:cs typeface="+mn-cs"/>
-              </a:defRPr>
-            </a:lvl5pPr>
-            <a:lvl6pPr marL="2286000" algn="l" defTabSz="457200" rtl="0" eaLnBrk="1" latinLnBrk="0" hangingPunct="1">
-              <a:defRPr sz="1800" kern="1200">
-                <a:solidFill>
-                  <a:schemeClr val="tx1"/>
-                </a:solidFill>
-                <a:latin typeface="+mn-lt"/>
-                <a:ea typeface="+mn-ea"/>
-                <a:cs typeface="+mn-cs"/>
-              </a:defRPr>
-            </a:lvl6pPr>
-            <a:lvl7pPr marL="2743200" algn="l" defTabSz="457200" rtl="0" eaLnBrk="1" latinLnBrk="0" hangingPunct="1">
-              <a:defRPr sz="1800" kern="1200">
-                <a:solidFill>
-                  <a:schemeClr val="tx1"/>
-                </a:solidFill>
-                <a:latin typeface="+mn-lt"/>
-                <a:ea typeface="+mn-ea"/>
-                <a:cs typeface="+mn-cs"/>
-              </a:defRPr>
-            </a:lvl7pPr>
-            <a:lvl8pPr marL="3200400" algn="l" defTabSz="457200" rtl="0" eaLnBrk="1" latinLnBrk="0" hangingPunct="1">
-              <a:defRPr sz="1800" kern="1200">
-                <a:solidFill>
-                  <a:schemeClr val="tx1"/>
-                </a:solidFill>
-                <a:latin typeface="+mn-lt"/>
-                <a:ea typeface="+mn-ea"/>
-                <a:cs typeface="+mn-cs"/>
-              </a:defRPr>
-            </a:lvl8pPr>
-            <a:lvl9pPr marL="3657600" algn="l" defTabSz="457200" rtl="0" eaLnBrk="1" latinLnBrk="0" hangingPunct="1">
-              <a:defRPr sz="1800" kern="1200">
-                <a:solidFill>
-                  <a:schemeClr val="tx1"/>
-                </a:solidFill>
-                <a:latin typeface="+mn-lt"/>
-                <a:ea typeface="+mn-ea"/>
-                <a:cs typeface="+mn-cs"/>
-              </a:defRPr>
-            </a:lvl9pPr>
-          </a:lstStyle>
+          <a:noFill/>
+        </p:spPr>
+        <p:txBody>
+          <a:bodyPr wrap="square" rtlCol="0">
+            <a:spAutoFit/>
+          </a:bodyPr>
+          <a:lstStyle/>
           <a:p>
             <a:pPr algn="ctr"/>
             <a:r>
               <a:rPr lang="en-US" dirty="0">
-                <a:hlinkClick r:id="rId4" action="ppaction://hlinkfile"/>
+                <a:hlinkClick r:id="rId5"/>
               </a:rPr>
               <a:t>https://inst490-analytics-dashboard.herokuapp.com/</a:t>
             </a:r>
@@ -6581,129 +6310,36 @@
       </p:sp>
       <p:sp>
         <p:nvSpPr>
-          <p:cNvPr id="10" name="Footer Placeholder 1">
+          <p:cNvPr id="8" name="TextBox 7">
             <a:extLst>
               <a:ext uri="{FF2B5EF4-FFF2-40B4-BE49-F238E27FC236}">
-                <a16:creationId xmlns:a16="http://schemas.microsoft.com/office/drawing/2014/main" id="{4E469FC6-6CB8-48D7-8D60-D90B42E72F02}"/>
+                <a16:creationId xmlns:a16="http://schemas.microsoft.com/office/drawing/2014/main" id="{769157A9-F8CD-430A-931A-06E69A564A5D}"/>
               </a:ext>
             </a:extLst>
           </p:cNvPr>
-          <p:cNvSpPr txBox="1">
-            <a:spLocks/>
-          </p:cNvSpPr>
+          <p:cNvSpPr txBox="1"/>
           <p:nvPr/>
         </p:nvSpPr>
         <p:spPr>
           <a:xfrm>
-            <a:off x="-50006" y="4698475"/>
-            <a:ext cx="9144000" cy="407195"/>
+            <a:off x="111682" y="4703926"/>
+            <a:ext cx="8920635" cy="369332"/>
           </a:xfrm>
           <a:prstGeom prst="rect">
             <a:avLst/>
           </a:prstGeom>
-        </p:spPr>
-        <p:txBody>
-          <a:bodyPr/>
-          <a:lstStyle>
-            <a:defPPr>
-              <a:defRPr lang="en-US"/>
-            </a:defPPr>
-            <a:lvl1pPr marL="0" algn="l" defTabSz="457200" rtl="0" eaLnBrk="1" latinLnBrk="0" hangingPunct="1">
-              <a:defRPr sz="1800" kern="1200">
-                <a:solidFill>
-                  <a:schemeClr val="tx1"/>
-                </a:solidFill>
-                <a:latin typeface="+mn-lt"/>
-                <a:ea typeface="+mn-ea"/>
-                <a:cs typeface="+mn-cs"/>
-              </a:defRPr>
-            </a:lvl1pPr>
-            <a:lvl2pPr marL="457200" algn="l" defTabSz="457200" rtl="0" eaLnBrk="1" latinLnBrk="0" hangingPunct="1">
-              <a:defRPr sz="1800" kern="1200">
-                <a:solidFill>
-                  <a:schemeClr val="tx1"/>
-                </a:solidFill>
-                <a:latin typeface="+mn-lt"/>
-                <a:ea typeface="+mn-ea"/>
-                <a:cs typeface="+mn-cs"/>
-              </a:defRPr>
-            </a:lvl2pPr>
-            <a:lvl3pPr marL="914400" algn="l" defTabSz="457200" rtl="0" eaLnBrk="1" latinLnBrk="0" hangingPunct="1">
-              <a:defRPr sz="1800" kern="1200">
-                <a:solidFill>
-                  <a:schemeClr val="tx1"/>
-                </a:solidFill>
-                <a:latin typeface="+mn-lt"/>
-                <a:ea typeface="+mn-ea"/>
-                <a:cs typeface="+mn-cs"/>
-              </a:defRPr>
-            </a:lvl3pPr>
-            <a:lvl4pPr marL="1371600" algn="l" defTabSz="457200" rtl="0" eaLnBrk="1" latinLnBrk="0" hangingPunct="1">
-              <a:defRPr sz="1800" kern="1200">
-                <a:solidFill>
-                  <a:schemeClr val="tx1"/>
-                </a:solidFill>
-                <a:latin typeface="+mn-lt"/>
-                <a:ea typeface="+mn-ea"/>
-                <a:cs typeface="+mn-cs"/>
-              </a:defRPr>
-            </a:lvl4pPr>
-            <a:lvl5pPr marL="1828800" algn="l" defTabSz="457200" rtl="0" eaLnBrk="1" latinLnBrk="0" hangingPunct="1">
-              <a:defRPr sz="1800" kern="1200">
-                <a:solidFill>
-                  <a:schemeClr val="tx1"/>
-                </a:solidFill>
-                <a:latin typeface="+mn-lt"/>
-                <a:ea typeface="+mn-ea"/>
-                <a:cs typeface="+mn-cs"/>
-              </a:defRPr>
-            </a:lvl5pPr>
-            <a:lvl6pPr marL="2286000" algn="l" defTabSz="457200" rtl="0" eaLnBrk="1" latinLnBrk="0" hangingPunct="1">
-              <a:defRPr sz="1800" kern="1200">
-                <a:solidFill>
-                  <a:schemeClr val="tx1"/>
-                </a:solidFill>
-                <a:latin typeface="+mn-lt"/>
-                <a:ea typeface="+mn-ea"/>
-                <a:cs typeface="+mn-cs"/>
-              </a:defRPr>
-            </a:lvl6pPr>
-            <a:lvl7pPr marL="2743200" algn="l" defTabSz="457200" rtl="0" eaLnBrk="1" latinLnBrk="0" hangingPunct="1">
-              <a:defRPr sz="1800" kern="1200">
-                <a:solidFill>
-                  <a:schemeClr val="tx1"/>
-                </a:solidFill>
-                <a:latin typeface="+mn-lt"/>
-                <a:ea typeface="+mn-ea"/>
-                <a:cs typeface="+mn-cs"/>
-              </a:defRPr>
-            </a:lvl7pPr>
-            <a:lvl8pPr marL="3200400" algn="l" defTabSz="457200" rtl="0" eaLnBrk="1" latinLnBrk="0" hangingPunct="1">
-              <a:defRPr sz="1800" kern="1200">
-                <a:solidFill>
-                  <a:schemeClr val="tx1"/>
-                </a:solidFill>
-                <a:latin typeface="+mn-lt"/>
-                <a:ea typeface="+mn-ea"/>
-                <a:cs typeface="+mn-cs"/>
-              </a:defRPr>
-            </a:lvl8pPr>
-            <a:lvl9pPr marL="3657600" algn="l" defTabSz="457200" rtl="0" eaLnBrk="1" latinLnBrk="0" hangingPunct="1">
-              <a:defRPr sz="1800" kern="1200">
-                <a:solidFill>
-                  <a:schemeClr val="tx1"/>
-                </a:solidFill>
-                <a:latin typeface="+mn-lt"/>
-                <a:ea typeface="+mn-ea"/>
-                <a:cs typeface="+mn-cs"/>
-              </a:defRPr>
-            </a:lvl9pPr>
-          </a:lstStyle>
+          <a:noFill/>
+        </p:spPr>
+        <p:txBody>
+          <a:bodyPr wrap="square" rtlCol="0">
+            <a:spAutoFit/>
+          </a:bodyPr>
+          <a:lstStyle/>
           <a:p>
             <a:pPr algn="ctr"/>
             <a:r>
               <a:rPr lang="en-US" dirty="0">
-                <a:hlinkClick r:id="rId6" action="ppaction://hlinkfile"/>
+                <a:hlinkClick r:id="rId6"/>
               </a:rPr>
               <a:t>https://inst490-analytics-dashboard.herokuapp.com/</a:t>
             </a:r>
@@ -6928,129 +6564,36 @@
       </p:sp>
       <p:sp>
         <p:nvSpPr>
-          <p:cNvPr id="9" name="Footer Placeholder 1">
+          <p:cNvPr id="7" name="TextBox 6">
             <a:extLst>
               <a:ext uri="{FF2B5EF4-FFF2-40B4-BE49-F238E27FC236}">
-                <a16:creationId xmlns:a16="http://schemas.microsoft.com/office/drawing/2014/main" id="{4E77E5AF-DE3B-4C03-946D-7EEAD096D433}"/>
+                <a16:creationId xmlns:a16="http://schemas.microsoft.com/office/drawing/2014/main" id="{BC97123C-5D72-4B48-AFB1-01D60B49308C}"/>
               </a:ext>
             </a:extLst>
           </p:cNvPr>
-          <p:cNvSpPr txBox="1">
-            <a:spLocks/>
-          </p:cNvSpPr>
+          <p:cNvSpPr txBox="1"/>
           <p:nvPr/>
         </p:nvSpPr>
         <p:spPr>
           <a:xfrm>
-            <a:off x="-50006" y="4698475"/>
-            <a:ext cx="9144000" cy="407195"/>
+            <a:off x="111682" y="4703926"/>
+            <a:ext cx="8920635" cy="369332"/>
           </a:xfrm>
           <a:prstGeom prst="rect">
             <a:avLst/>
           </a:prstGeom>
-        </p:spPr>
-        <p:txBody>
-          <a:bodyPr/>
-          <a:lstStyle>
-            <a:defPPr>
-              <a:defRPr lang="en-US"/>
-            </a:defPPr>
-            <a:lvl1pPr marL="0" algn="l" defTabSz="457200" rtl="0" eaLnBrk="1" latinLnBrk="0" hangingPunct="1">
-              <a:defRPr sz="1800" kern="1200">
-                <a:solidFill>
-                  <a:schemeClr val="tx1"/>
-                </a:solidFill>
-                <a:latin typeface="+mn-lt"/>
-                <a:ea typeface="+mn-ea"/>
-                <a:cs typeface="+mn-cs"/>
-              </a:defRPr>
-            </a:lvl1pPr>
-            <a:lvl2pPr marL="457200" algn="l" defTabSz="457200" rtl="0" eaLnBrk="1" latinLnBrk="0" hangingPunct="1">
-              <a:defRPr sz="1800" kern="1200">
-                <a:solidFill>
-                  <a:schemeClr val="tx1"/>
-                </a:solidFill>
-                <a:latin typeface="+mn-lt"/>
-                <a:ea typeface="+mn-ea"/>
-                <a:cs typeface="+mn-cs"/>
-              </a:defRPr>
-            </a:lvl2pPr>
-            <a:lvl3pPr marL="914400" algn="l" defTabSz="457200" rtl="0" eaLnBrk="1" latinLnBrk="0" hangingPunct="1">
-              <a:defRPr sz="1800" kern="1200">
-                <a:solidFill>
-                  <a:schemeClr val="tx1"/>
-                </a:solidFill>
-                <a:latin typeface="+mn-lt"/>
-                <a:ea typeface="+mn-ea"/>
-                <a:cs typeface="+mn-cs"/>
-              </a:defRPr>
-            </a:lvl3pPr>
-            <a:lvl4pPr marL="1371600" algn="l" defTabSz="457200" rtl="0" eaLnBrk="1" latinLnBrk="0" hangingPunct="1">
-              <a:defRPr sz="1800" kern="1200">
-                <a:solidFill>
-                  <a:schemeClr val="tx1"/>
-                </a:solidFill>
-                <a:latin typeface="+mn-lt"/>
-                <a:ea typeface="+mn-ea"/>
-                <a:cs typeface="+mn-cs"/>
-              </a:defRPr>
-            </a:lvl4pPr>
-            <a:lvl5pPr marL="1828800" algn="l" defTabSz="457200" rtl="0" eaLnBrk="1" latinLnBrk="0" hangingPunct="1">
-              <a:defRPr sz="1800" kern="1200">
-                <a:solidFill>
-                  <a:schemeClr val="tx1"/>
-                </a:solidFill>
-                <a:latin typeface="+mn-lt"/>
-                <a:ea typeface="+mn-ea"/>
-                <a:cs typeface="+mn-cs"/>
-              </a:defRPr>
-            </a:lvl5pPr>
-            <a:lvl6pPr marL="2286000" algn="l" defTabSz="457200" rtl="0" eaLnBrk="1" latinLnBrk="0" hangingPunct="1">
-              <a:defRPr sz="1800" kern="1200">
-                <a:solidFill>
-                  <a:schemeClr val="tx1"/>
-                </a:solidFill>
-                <a:latin typeface="+mn-lt"/>
-                <a:ea typeface="+mn-ea"/>
-                <a:cs typeface="+mn-cs"/>
-              </a:defRPr>
-            </a:lvl6pPr>
-            <a:lvl7pPr marL="2743200" algn="l" defTabSz="457200" rtl="0" eaLnBrk="1" latinLnBrk="0" hangingPunct="1">
-              <a:defRPr sz="1800" kern="1200">
-                <a:solidFill>
-                  <a:schemeClr val="tx1"/>
-                </a:solidFill>
-                <a:latin typeface="+mn-lt"/>
-                <a:ea typeface="+mn-ea"/>
-                <a:cs typeface="+mn-cs"/>
-              </a:defRPr>
-            </a:lvl7pPr>
-            <a:lvl8pPr marL="3200400" algn="l" defTabSz="457200" rtl="0" eaLnBrk="1" latinLnBrk="0" hangingPunct="1">
-              <a:defRPr sz="1800" kern="1200">
-                <a:solidFill>
-                  <a:schemeClr val="tx1"/>
-                </a:solidFill>
-                <a:latin typeface="+mn-lt"/>
-                <a:ea typeface="+mn-ea"/>
-                <a:cs typeface="+mn-cs"/>
-              </a:defRPr>
-            </a:lvl8pPr>
-            <a:lvl9pPr marL="3657600" algn="l" defTabSz="457200" rtl="0" eaLnBrk="1" latinLnBrk="0" hangingPunct="1">
-              <a:defRPr sz="1800" kern="1200">
-                <a:solidFill>
-                  <a:schemeClr val="tx1"/>
-                </a:solidFill>
-                <a:latin typeface="+mn-lt"/>
-                <a:ea typeface="+mn-ea"/>
-                <a:cs typeface="+mn-cs"/>
-              </a:defRPr>
-            </a:lvl9pPr>
-          </a:lstStyle>
+          <a:noFill/>
+        </p:spPr>
+        <p:txBody>
+          <a:bodyPr wrap="square" rtlCol="0">
+            <a:spAutoFit/>
+          </a:bodyPr>
+          <a:lstStyle/>
           <a:p>
             <a:pPr algn="ctr"/>
             <a:r>
               <a:rPr lang="en-US" dirty="0">
-                <a:hlinkClick r:id="rId6" action="ppaction://hlinkfile"/>
+                <a:hlinkClick r:id="rId6"/>
               </a:rPr>
               <a:t>https://inst490-analytics-dashboard.herokuapp.com/</a:t>
             </a:r>
@@ -7199,129 +6742,36 @@
       </p:pic>
       <p:sp>
         <p:nvSpPr>
-          <p:cNvPr id="5" name="Footer Placeholder 1">
+          <p:cNvPr id="6" name="TextBox 5">
             <a:extLst>
               <a:ext uri="{FF2B5EF4-FFF2-40B4-BE49-F238E27FC236}">
-                <a16:creationId xmlns:a16="http://schemas.microsoft.com/office/drawing/2014/main" id="{30133C32-0A3C-4DCF-920F-972252DCE02F}"/>
+                <a16:creationId xmlns:a16="http://schemas.microsoft.com/office/drawing/2014/main" id="{ADDF4C31-5961-425A-91F7-C62DA20297B8}"/>
               </a:ext>
             </a:extLst>
           </p:cNvPr>
-          <p:cNvSpPr txBox="1">
-            <a:spLocks/>
-          </p:cNvSpPr>
+          <p:cNvSpPr txBox="1"/>
           <p:nvPr/>
         </p:nvSpPr>
         <p:spPr>
           <a:xfrm>
-            <a:off x="-50006" y="4698475"/>
-            <a:ext cx="9144000" cy="407195"/>
+            <a:off x="111682" y="4703926"/>
+            <a:ext cx="8920635" cy="369332"/>
           </a:xfrm>
           <a:prstGeom prst="rect">
             <a:avLst/>
           </a:prstGeom>
-        </p:spPr>
-        <p:txBody>
-          <a:bodyPr/>
-          <a:lstStyle>
-            <a:defPPr>
-              <a:defRPr lang="en-US"/>
-            </a:defPPr>
-            <a:lvl1pPr marL="0" algn="l" defTabSz="457200" rtl="0" eaLnBrk="1" latinLnBrk="0" hangingPunct="1">
-              <a:defRPr sz="1800" kern="1200">
-                <a:solidFill>
-                  <a:schemeClr val="tx1"/>
-                </a:solidFill>
-                <a:latin typeface="+mn-lt"/>
-                <a:ea typeface="+mn-ea"/>
-                <a:cs typeface="+mn-cs"/>
-              </a:defRPr>
-            </a:lvl1pPr>
-            <a:lvl2pPr marL="457200" algn="l" defTabSz="457200" rtl="0" eaLnBrk="1" latinLnBrk="0" hangingPunct="1">
-              <a:defRPr sz="1800" kern="1200">
-                <a:solidFill>
-                  <a:schemeClr val="tx1"/>
-                </a:solidFill>
-                <a:latin typeface="+mn-lt"/>
-                <a:ea typeface="+mn-ea"/>
-                <a:cs typeface="+mn-cs"/>
-              </a:defRPr>
-            </a:lvl2pPr>
-            <a:lvl3pPr marL="914400" algn="l" defTabSz="457200" rtl="0" eaLnBrk="1" latinLnBrk="0" hangingPunct="1">
-              <a:defRPr sz="1800" kern="1200">
-                <a:solidFill>
-                  <a:schemeClr val="tx1"/>
-                </a:solidFill>
-                <a:latin typeface="+mn-lt"/>
-                <a:ea typeface="+mn-ea"/>
-                <a:cs typeface="+mn-cs"/>
-              </a:defRPr>
-            </a:lvl3pPr>
-            <a:lvl4pPr marL="1371600" algn="l" defTabSz="457200" rtl="0" eaLnBrk="1" latinLnBrk="0" hangingPunct="1">
-              <a:defRPr sz="1800" kern="1200">
-                <a:solidFill>
-                  <a:schemeClr val="tx1"/>
-                </a:solidFill>
-                <a:latin typeface="+mn-lt"/>
-                <a:ea typeface="+mn-ea"/>
-                <a:cs typeface="+mn-cs"/>
-              </a:defRPr>
-            </a:lvl4pPr>
-            <a:lvl5pPr marL="1828800" algn="l" defTabSz="457200" rtl="0" eaLnBrk="1" latinLnBrk="0" hangingPunct="1">
-              <a:defRPr sz="1800" kern="1200">
-                <a:solidFill>
-                  <a:schemeClr val="tx1"/>
-                </a:solidFill>
-                <a:latin typeface="+mn-lt"/>
-                <a:ea typeface="+mn-ea"/>
-                <a:cs typeface="+mn-cs"/>
-              </a:defRPr>
-            </a:lvl5pPr>
-            <a:lvl6pPr marL="2286000" algn="l" defTabSz="457200" rtl="0" eaLnBrk="1" latinLnBrk="0" hangingPunct="1">
-              <a:defRPr sz="1800" kern="1200">
-                <a:solidFill>
-                  <a:schemeClr val="tx1"/>
-                </a:solidFill>
-                <a:latin typeface="+mn-lt"/>
-                <a:ea typeface="+mn-ea"/>
-                <a:cs typeface="+mn-cs"/>
-              </a:defRPr>
-            </a:lvl6pPr>
-            <a:lvl7pPr marL="2743200" algn="l" defTabSz="457200" rtl="0" eaLnBrk="1" latinLnBrk="0" hangingPunct="1">
-              <a:defRPr sz="1800" kern="1200">
-                <a:solidFill>
-                  <a:schemeClr val="tx1"/>
-                </a:solidFill>
-                <a:latin typeface="+mn-lt"/>
-                <a:ea typeface="+mn-ea"/>
-                <a:cs typeface="+mn-cs"/>
-              </a:defRPr>
-            </a:lvl7pPr>
-            <a:lvl8pPr marL="3200400" algn="l" defTabSz="457200" rtl="0" eaLnBrk="1" latinLnBrk="0" hangingPunct="1">
-              <a:defRPr sz="1800" kern="1200">
-                <a:solidFill>
-                  <a:schemeClr val="tx1"/>
-                </a:solidFill>
-                <a:latin typeface="+mn-lt"/>
-                <a:ea typeface="+mn-ea"/>
-                <a:cs typeface="+mn-cs"/>
-              </a:defRPr>
-            </a:lvl8pPr>
-            <a:lvl9pPr marL="3657600" algn="l" defTabSz="457200" rtl="0" eaLnBrk="1" latinLnBrk="0" hangingPunct="1">
-              <a:defRPr sz="1800" kern="1200">
-                <a:solidFill>
-                  <a:schemeClr val="tx1"/>
-                </a:solidFill>
-                <a:latin typeface="+mn-lt"/>
-                <a:ea typeface="+mn-ea"/>
-                <a:cs typeface="+mn-cs"/>
-              </a:defRPr>
-            </a:lvl9pPr>
-          </a:lstStyle>
+          <a:noFill/>
+        </p:spPr>
+        <p:txBody>
+          <a:bodyPr wrap="square" rtlCol="0">
+            <a:spAutoFit/>
+          </a:bodyPr>
+          <a:lstStyle/>
           <a:p>
             <a:pPr algn="ctr"/>
             <a:r>
               <a:rPr lang="en-US" dirty="0">
-                <a:hlinkClick r:id="rId4" action="ppaction://hlinkfile"/>
+                <a:hlinkClick r:id="rId4"/>
               </a:rPr>
               <a:t>https://inst490-analytics-dashboard.herokuapp.com/</a:t>
             </a:r>

--- a/public/pdf/Capstone Presentation.pptx
+++ b/public/pdf/Capstone Presentation.pptx
@@ -6703,12 +6703,51 @@
           </a:p>
         </p:txBody>
       </p:sp>
+      <p:sp>
+        <p:nvSpPr>
+          <p:cNvPr id="6" name="TextBox 5">
+            <a:extLst>
+              <a:ext uri="{FF2B5EF4-FFF2-40B4-BE49-F238E27FC236}">
+                <a16:creationId xmlns:a16="http://schemas.microsoft.com/office/drawing/2014/main" id="{ADDF4C31-5961-425A-91F7-C62DA20297B8}"/>
+              </a:ext>
+            </a:extLst>
+          </p:cNvPr>
+          <p:cNvSpPr txBox="1"/>
+          <p:nvPr/>
+        </p:nvSpPr>
+        <p:spPr>
+          <a:xfrm>
+            <a:off x="111682" y="4703926"/>
+            <a:ext cx="8920635" cy="369332"/>
+          </a:xfrm>
+          <a:prstGeom prst="rect">
+            <a:avLst/>
+          </a:prstGeom>
+          <a:noFill/>
+        </p:spPr>
+        <p:txBody>
+          <a:bodyPr wrap="square" rtlCol="0">
+            <a:spAutoFit/>
+          </a:bodyPr>
+          <a:lstStyle/>
+          <a:p>
+            <a:pPr algn="ctr"/>
+            <a:r>
+              <a:rPr lang="en-US" dirty="0">
+                <a:hlinkClick r:id="rId3"/>
+              </a:rPr>
+              <a:t>https://inst490-analytics-dashboard.herokuapp.com/</a:t>
+            </a:r>
+            <a:endParaRPr lang="en-US" dirty="0"/>
+          </a:p>
+        </p:txBody>
+      </p:sp>
       <p:pic>
         <p:nvPicPr>
-          <p:cNvPr id="2" name="Picture 1">
+          <p:cNvPr id="3" name="Picture 2">
             <a:extLst>
               <a:ext uri="{FF2B5EF4-FFF2-40B4-BE49-F238E27FC236}">
-                <a16:creationId xmlns:a16="http://schemas.microsoft.com/office/drawing/2014/main" id="{D1524B81-12D9-4AF4-B856-F8470004BDDE}"/>
+                <a16:creationId xmlns:a16="http://schemas.microsoft.com/office/drawing/2014/main" id="{9BEDBF36-6ADE-49F6-8FD7-DADF4D80B6C8}"/>
               </a:ext>
             </a:extLst>
           </p:cNvPr>
@@ -6718,67 +6757,31 @@
           <p:nvPr/>
         </p:nvPicPr>
         <p:blipFill>
-          <a:blip r:embed="rId3"/>
+          <a:blip r:embed="rId4"/>
           <a:stretch>
             <a:fillRect/>
           </a:stretch>
         </p:blipFill>
         <p:spPr>
           <a:xfrm>
-            <a:off x="4383292" y="523005"/>
-            <a:ext cx="2604497" cy="3991025"/>
+            <a:off x="3736231" y="574625"/>
+            <a:ext cx="3848391" cy="3570194"/>
           </a:xfrm>
           <a:prstGeom prst="rect">
             <a:avLst/>
           </a:prstGeom>
+          <a:ln>
+            <a:noFill/>
+          </a:ln>
           <a:effectLst>
-            <a:outerShdw blurRad="50800" dist="38100" dir="2700000" algn="tl" rotWithShape="0">
-              <a:prstClr val="black">
-                <a:alpha val="40000"/>
-              </a:prstClr>
+            <a:outerShdw blurRad="292100" dist="139700" dir="2700000" algn="tl" rotWithShape="0">
+              <a:srgbClr val="333333">
+                <a:alpha val="65000"/>
+              </a:srgbClr>
             </a:outerShdw>
           </a:effectLst>
         </p:spPr>
       </p:pic>
-      <p:sp>
-        <p:nvSpPr>
-          <p:cNvPr id="6" name="TextBox 5">
-            <a:extLst>
-              <a:ext uri="{FF2B5EF4-FFF2-40B4-BE49-F238E27FC236}">
-                <a16:creationId xmlns:a16="http://schemas.microsoft.com/office/drawing/2014/main" id="{ADDF4C31-5961-425A-91F7-C62DA20297B8}"/>
-              </a:ext>
-            </a:extLst>
-          </p:cNvPr>
-          <p:cNvSpPr txBox="1"/>
-          <p:nvPr/>
-        </p:nvSpPr>
-        <p:spPr>
-          <a:xfrm>
-            <a:off x="111682" y="4703926"/>
-            <a:ext cx="8920635" cy="369332"/>
-          </a:xfrm>
-          <a:prstGeom prst="rect">
-            <a:avLst/>
-          </a:prstGeom>
-          <a:noFill/>
-        </p:spPr>
-        <p:txBody>
-          <a:bodyPr wrap="square" rtlCol="0">
-            <a:spAutoFit/>
-          </a:bodyPr>
-          <a:lstStyle/>
-          <a:p>
-            <a:pPr algn="ctr"/>
-            <a:r>
-              <a:rPr lang="en-US" dirty="0">
-                <a:hlinkClick r:id="rId4"/>
-              </a:rPr>
-              <a:t>https://inst490-analytics-dashboard.herokuapp.com/</a:t>
-            </a:r>
-            <a:endParaRPr lang="en-US" dirty="0"/>
-          </a:p>
-        </p:txBody>
-      </p:sp>
     </p:spTree>
   </p:cSld>
   <p:clrMapOvr>
